--- a/doc/B3_発表資料.pptx
+++ b/doc/B3_発表資料.pptx
@@ -5380,7 +5380,7 @@
         </p:nvSpPr>
         <p:spPr>
           <a:xfrm>
-            <a:off x="0" y="0"/>
+            <a:off x="0" y="-3344"/>
             <a:ext cx="12192000" cy="1420238"/>
           </a:xfrm>
           <a:prstGeom prst="rect">
@@ -5464,6 +5464,72 @@
           </a:prstGeom>
         </p:spPr>
       </p:pic>
+      <p:sp>
+        <p:nvSpPr>
+          <p:cNvPr id="2" name="テキスト ボックス 1">
+            <a:extLst>
+              <a:ext uri="{FF2B5EF4-FFF2-40B4-BE49-F238E27FC236}">
+                <a16:creationId xmlns:a16="http://schemas.microsoft.com/office/drawing/2014/main" id="{B799B176-722A-5B79-443B-CBB70A11A9DC}"/>
+              </a:ext>
+            </a:extLst>
+          </p:cNvPr>
+          <p:cNvSpPr txBox="1"/>
+          <p:nvPr/>
+        </p:nvSpPr>
+        <p:spPr>
+          <a:xfrm>
+            <a:off x="297712" y="1904585"/>
+            <a:ext cx="11727711" cy="2031325"/>
+          </a:xfrm>
+          <a:prstGeom prst="rect">
+            <a:avLst/>
+          </a:prstGeom>
+          <a:noFill/>
+        </p:spPr>
+        <p:txBody>
+          <a:bodyPr wrap="square" rtlCol="0">
+            <a:spAutoFit/>
+          </a:bodyPr>
+          <a:lstStyle/>
+          <a:p>
+            <a:r>
+              <a:rPr kumimoji="1" lang="ja-JP" altLang="en-US" dirty="0"/>
+              <a:t>苦労した点</a:t>
+            </a:r>
+            <a:endParaRPr kumimoji="1" lang="en-US" altLang="ja-JP" dirty="0"/>
+          </a:p>
+          <a:p>
+            <a:r>
+              <a:rPr lang="ja-JP" altLang="en-US" dirty="0"/>
+              <a:t>・名刺管理アプリの時とは違い、元がない状態で０から自力で作るのが大変だった。</a:t>
+            </a:r>
+            <a:endParaRPr lang="en-US" altLang="ja-JP" dirty="0"/>
+          </a:p>
+          <a:p>
+            <a:r>
+              <a:rPr kumimoji="1" lang="ja-JP" altLang="en-US" dirty="0"/>
+              <a:t>成長できた点</a:t>
+            </a:r>
+            <a:endParaRPr kumimoji="1" lang="en-US" altLang="ja-JP" dirty="0"/>
+          </a:p>
+          <a:p>
+            <a:r>
+              <a:rPr lang="ja-JP" altLang="en-US" dirty="0"/>
+              <a:t>・グループで開発をするという経験が今まであまりなかったため、今回の研修でグループで開発するうえでのスケジュール管理の大変さや</a:t>
+            </a:r>
+            <a:endParaRPr lang="en-US" altLang="ja-JP" dirty="0"/>
+          </a:p>
+          <a:p>
+            <a:r>
+              <a:rPr kumimoji="1" lang="ja-JP" altLang="en-US" dirty="0"/>
+              <a:t>それぞれの認識をすり合わせるのも大変だったし、スケジュール管理も大変だった。 </a:t>
+            </a:r>
+          </a:p>
+          <a:p>
+            <a:endParaRPr kumimoji="1" lang="ja-JP" altLang="en-US" dirty="0"/>
+          </a:p>
+        </p:txBody>
+      </p:sp>
     </p:spTree>
     <p:extLst>
       <p:ext uri="{BB962C8B-B14F-4D97-AF65-F5344CB8AC3E}">

--- a/doc/B3_発表資料.pptx
+++ b/doc/B3_発表資料.pptx
@@ -5,7 +5,7 @@
     <p:sldMasterId id="2147483648" r:id="rId1"/>
   </p:sldMasterIdLst>
   <p:notesMasterIdLst>
-    <p:notesMasterId r:id="rId9"/>
+    <p:notesMasterId r:id="rId10"/>
   </p:notesMasterIdLst>
   <p:sldIdLst>
     <p:sldId id="267" r:id="rId2"/>
@@ -13,8 +13,9 @@
     <p:sldId id="257" r:id="rId4"/>
     <p:sldId id="268" r:id="rId5"/>
     <p:sldId id="266" r:id="rId6"/>
-    <p:sldId id="263" r:id="rId7"/>
-    <p:sldId id="269" r:id="rId8"/>
+    <p:sldId id="270" r:id="rId7"/>
+    <p:sldId id="263" r:id="rId8"/>
+    <p:sldId id="269" r:id="rId9"/>
   </p:sldIdLst>
   <p:sldSz cx="12192000" cy="6858000"/>
   <p:notesSz cx="6858000" cy="9144000"/>
@@ -203,7 +204,7 @@
           <a:p>
             <a:fld id="{0B06AACC-78EB-419D-BE13-EB75183C9D20}" type="datetimeFigureOut">
               <a:rPr kumimoji="1" lang="ja-JP" altLang="en-US" smtClean="0"/>
-              <a:t>2023/6/28</a:t>
+              <a:t>2023/6/29</a:t>
             </a:fld>
             <a:endParaRPr kumimoji="1" lang="ja-JP" altLang="en-US"/>
           </a:p>
@@ -798,10 +799,7 @@
           <a:bodyPr/>
           <a:lstStyle/>
           <a:p>
-            <a:r>
-              <a:rPr kumimoji="1" lang="ja-JP" altLang="en-US" dirty="0"/>
-              <a:t>各自</a:t>
-            </a:r>
+            <a:endParaRPr kumimoji="1" lang="ja-JP" altLang="en-US" dirty="0"/>
           </a:p>
         </p:txBody>
       </p:sp>
@@ -831,7 +829,7 @@
     </p:spTree>
     <p:extLst>
       <p:ext uri="{BB962C8B-B14F-4D97-AF65-F5344CB8AC3E}">
-        <p14:creationId xmlns:p14="http://schemas.microsoft.com/office/powerpoint/2010/main" val="4214246600"/>
+        <p14:creationId xmlns:p14="http://schemas.microsoft.com/office/powerpoint/2010/main" val="1844355240"/>
       </p:ext>
     </p:extLst>
   </p:cSld>
@@ -910,6 +908,93 @@
             <a:fld id="{FA20FF19-0B51-4143-A2C5-21987E9CA42E}" type="slidenum">
               <a:rPr kumimoji="1" lang="ja-JP" altLang="en-US" smtClean="0"/>
               <a:t>7</a:t>
+            </a:fld>
+            <a:endParaRPr kumimoji="1" lang="ja-JP" altLang="en-US"/>
+          </a:p>
+        </p:txBody>
+      </p:sp>
+    </p:spTree>
+    <p:extLst>
+      <p:ext uri="{BB962C8B-B14F-4D97-AF65-F5344CB8AC3E}">
+        <p14:creationId xmlns:p14="http://schemas.microsoft.com/office/powerpoint/2010/main" val="4214246600"/>
+      </p:ext>
+    </p:extLst>
+  </p:cSld>
+  <p:clrMapOvr>
+    <a:masterClrMapping/>
+  </p:clrMapOvr>
+</p:notes>
+</file>
+
+<file path=ppt/notesSlides/notesSlide6.xml><?xml version="1.0" encoding="utf-8"?>
+<p:notes xmlns:a="http://schemas.openxmlformats.org/drawingml/2006/main" xmlns:r="http://schemas.openxmlformats.org/officeDocument/2006/relationships" xmlns:p="http://schemas.openxmlformats.org/presentationml/2006/main">
+  <p:cSld>
+    <p:spTree>
+      <p:nvGrpSpPr>
+        <p:cNvPr id="1" name=""/>
+        <p:cNvGrpSpPr/>
+        <p:nvPr/>
+      </p:nvGrpSpPr>
+      <p:grpSpPr>
+        <a:xfrm>
+          <a:off x="0" y="0"/>
+          <a:ext cx="0" cy="0"/>
+          <a:chOff x="0" y="0"/>
+          <a:chExt cx="0" cy="0"/>
+        </a:xfrm>
+      </p:grpSpPr>
+      <p:sp>
+        <p:nvSpPr>
+          <p:cNvPr id="2" name="スライド イメージ プレースホルダー 1"/>
+          <p:cNvSpPr>
+            <a:spLocks noGrp="1" noRot="1" noChangeAspect="1"/>
+          </p:cNvSpPr>
+          <p:nvPr>
+            <p:ph type="sldImg"/>
+          </p:nvPr>
+        </p:nvSpPr>
+        <p:spPr/>
+      </p:sp>
+      <p:sp>
+        <p:nvSpPr>
+          <p:cNvPr id="3" name="ノート プレースホルダー 2"/>
+          <p:cNvSpPr>
+            <a:spLocks noGrp="1"/>
+          </p:cNvSpPr>
+          <p:nvPr>
+            <p:ph type="body" idx="1"/>
+          </p:nvPr>
+        </p:nvSpPr>
+        <p:spPr/>
+        <p:txBody>
+          <a:bodyPr/>
+          <a:lstStyle/>
+          <a:p>
+            <a:r>
+              <a:rPr kumimoji="1" lang="ja-JP" altLang="en-US" dirty="0"/>
+              <a:t>各自</a:t>
+            </a:r>
+          </a:p>
+        </p:txBody>
+      </p:sp>
+      <p:sp>
+        <p:nvSpPr>
+          <p:cNvPr id="4" name="スライド番号プレースホルダー 3"/>
+          <p:cNvSpPr>
+            <a:spLocks noGrp="1"/>
+          </p:cNvSpPr>
+          <p:nvPr>
+            <p:ph type="sldNum" sz="quarter" idx="5"/>
+          </p:nvPr>
+        </p:nvSpPr>
+        <p:spPr/>
+        <p:txBody>
+          <a:bodyPr/>
+          <a:lstStyle/>
+          <a:p>
+            <a:fld id="{FA20FF19-0B51-4143-A2C5-21987E9CA42E}" type="slidenum">
+              <a:rPr kumimoji="1" lang="ja-JP" altLang="en-US" smtClean="0"/>
+              <a:t>8</a:t>
             </a:fld>
             <a:endParaRPr kumimoji="1" lang="ja-JP" altLang="en-US"/>
           </a:p>
@@ -1075,7 +1160,7 @@
           <a:p>
             <a:fld id="{EBA07220-27DC-4B70-83B9-5C0E3AE00D0C}" type="datetimeFigureOut">
               <a:rPr kumimoji="1" lang="ja-JP" altLang="en-US" smtClean="0"/>
-              <a:t>2023/6/28</a:t>
+              <a:t>2023/6/29</a:t>
             </a:fld>
             <a:endParaRPr kumimoji="1" lang="ja-JP" altLang="en-US"/>
           </a:p>
@@ -1305,7 +1390,7 @@
           <a:p>
             <a:fld id="{EBA07220-27DC-4B70-83B9-5C0E3AE00D0C}" type="datetimeFigureOut">
               <a:rPr kumimoji="1" lang="ja-JP" altLang="en-US" smtClean="0"/>
-              <a:t>2023/6/28</a:t>
+              <a:t>2023/6/29</a:t>
             </a:fld>
             <a:endParaRPr kumimoji="1" lang="ja-JP" altLang="en-US"/>
           </a:p>
@@ -1545,7 +1630,7 @@
           <a:p>
             <a:fld id="{EBA07220-27DC-4B70-83B9-5C0E3AE00D0C}" type="datetimeFigureOut">
               <a:rPr kumimoji="1" lang="ja-JP" altLang="en-US" smtClean="0"/>
-              <a:t>2023/6/28</a:t>
+              <a:t>2023/6/29</a:t>
             </a:fld>
             <a:endParaRPr kumimoji="1" lang="ja-JP" altLang="en-US"/>
           </a:p>
@@ -1775,7 +1860,7 @@
           <a:p>
             <a:fld id="{EBA07220-27DC-4B70-83B9-5C0E3AE00D0C}" type="datetimeFigureOut">
               <a:rPr kumimoji="1" lang="ja-JP" altLang="en-US" smtClean="0"/>
-              <a:t>2023/6/28</a:t>
+              <a:t>2023/6/29</a:t>
             </a:fld>
             <a:endParaRPr kumimoji="1" lang="ja-JP" altLang="en-US"/>
           </a:p>
@@ -2050,7 +2135,7 @@
           <a:p>
             <a:fld id="{EBA07220-27DC-4B70-83B9-5C0E3AE00D0C}" type="datetimeFigureOut">
               <a:rPr kumimoji="1" lang="ja-JP" altLang="en-US" smtClean="0"/>
-              <a:t>2023/6/28</a:t>
+              <a:t>2023/6/29</a:t>
             </a:fld>
             <a:endParaRPr kumimoji="1" lang="ja-JP" altLang="en-US"/>
           </a:p>
@@ -2379,7 +2464,7 @@
           <a:p>
             <a:fld id="{EBA07220-27DC-4B70-83B9-5C0E3AE00D0C}" type="datetimeFigureOut">
               <a:rPr kumimoji="1" lang="ja-JP" altLang="en-US" smtClean="0"/>
-              <a:t>2023/6/28</a:t>
+              <a:t>2023/6/29</a:t>
             </a:fld>
             <a:endParaRPr kumimoji="1" lang="ja-JP" altLang="en-US"/>
           </a:p>
@@ -2855,7 +2940,7 @@
           <a:p>
             <a:fld id="{EBA07220-27DC-4B70-83B9-5C0E3AE00D0C}" type="datetimeFigureOut">
               <a:rPr kumimoji="1" lang="ja-JP" altLang="en-US" smtClean="0"/>
-              <a:t>2023/6/28</a:t>
+              <a:t>2023/6/29</a:t>
             </a:fld>
             <a:endParaRPr kumimoji="1" lang="ja-JP" altLang="en-US"/>
           </a:p>
@@ -2996,7 +3081,7 @@
           <a:p>
             <a:fld id="{EBA07220-27DC-4B70-83B9-5C0E3AE00D0C}" type="datetimeFigureOut">
               <a:rPr kumimoji="1" lang="ja-JP" altLang="en-US" smtClean="0"/>
-              <a:t>2023/6/28</a:t>
+              <a:t>2023/6/29</a:t>
             </a:fld>
             <a:endParaRPr kumimoji="1" lang="ja-JP" altLang="en-US"/>
           </a:p>
@@ -3109,7 +3194,7 @@
           <a:p>
             <a:fld id="{EBA07220-27DC-4B70-83B9-5C0E3AE00D0C}" type="datetimeFigureOut">
               <a:rPr kumimoji="1" lang="ja-JP" altLang="en-US" smtClean="0"/>
-              <a:t>2023/6/28</a:t>
+              <a:t>2023/6/29</a:t>
             </a:fld>
             <a:endParaRPr kumimoji="1" lang="ja-JP" altLang="en-US"/>
           </a:p>
@@ -3452,7 +3537,7 @@
           <a:p>
             <a:fld id="{EBA07220-27DC-4B70-83B9-5C0E3AE00D0C}" type="datetimeFigureOut">
               <a:rPr kumimoji="1" lang="ja-JP" altLang="en-US" smtClean="0"/>
-              <a:t>2023/6/28</a:t>
+              <a:t>2023/6/29</a:t>
             </a:fld>
             <a:endParaRPr kumimoji="1" lang="ja-JP" altLang="en-US"/>
           </a:p>
@@ -3740,7 +3825,7 @@
           <a:p>
             <a:fld id="{EBA07220-27DC-4B70-83B9-5C0E3AE00D0C}" type="datetimeFigureOut">
               <a:rPr kumimoji="1" lang="ja-JP" altLang="en-US" smtClean="0"/>
-              <a:t>2023/6/28</a:t>
+              <a:t>2023/6/29</a:t>
             </a:fld>
             <a:endParaRPr kumimoji="1" lang="ja-JP" altLang="en-US"/>
           </a:p>
@@ -4013,7 +4098,7 @@
           <a:p>
             <a:fld id="{EBA07220-27DC-4B70-83B9-5C0E3AE00D0C}" type="datetimeFigureOut">
               <a:rPr kumimoji="1" lang="ja-JP" altLang="en-US" smtClean="0"/>
-              <a:t>2023/6/28</a:t>
+              <a:t>2023/6/29</a:t>
             </a:fld>
             <a:endParaRPr kumimoji="1" lang="ja-JP" altLang="en-US"/>
           </a:p>
@@ -5380,6 +5465,190 @@
         </p:nvSpPr>
         <p:spPr>
           <a:xfrm>
+            <a:off x="0" y="0"/>
+            <a:ext cx="12192000" cy="1420238"/>
+          </a:xfrm>
+          <a:prstGeom prst="rect">
+            <a:avLst/>
+          </a:prstGeom>
+          <a:solidFill>
+            <a:srgbClr val="DF4A23"/>
+          </a:solidFill>
+          <a:ln>
+            <a:noFill/>
+          </a:ln>
+        </p:spPr>
+        <p:style>
+          <a:lnRef idx="2">
+            <a:schemeClr val="accent1">
+              <a:shade val="50000"/>
+            </a:schemeClr>
+          </a:lnRef>
+          <a:fillRef idx="1">
+            <a:schemeClr val="accent1"/>
+          </a:fillRef>
+          <a:effectRef idx="0">
+            <a:schemeClr val="accent1"/>
+          </a:effectRef>
+          <a:fontRef idx="minor">
+            <a:schemeClr val="lt1"/>
+          </a:fontRef>
+        </p:style>
+        <p:txBody>
+          <a:bodyPr rtlCol="0" anchor="ctr"/>
+          <a:lstStyle/>
+          <a:p>
+            <a:pPr algn="ctr"/>
+            <a:r>
+              <a:rPr kumimoji="1" lang="ja-JP" altLang="en-US" sz="4000" dirty="0">
+                <a:latin typeface="メイリオ" panose="020B0604030504040204" pitchFamily="50" charset="-128"/>
+                <a:ea typeface="メイリオ" panose="020B0604030504040204" pitchFamily="50" charset="-128"/>
+              </a:rPr>
+              <a:t>機能紹介</a:t>
+            </a:r>
+          </a:p>
+        </p:txBody>
+      </p:sp>
+      <p:sp>
+        <p:nvSpPr>
+          <p:cNvPr id="2" name="テキスト ボックス 1">
+            <a:extLst>
+              <a:ext uri="{FF2B5EF4-FFF2-40B4-BE49-F238E27FC236}">
+                <a16:creationId xmlns:a16="http://schemas.microsoft.com/office/drawing/2014/main" id="{6FDB7845-30C1-4B2A-BF71-AEE476A1F50B}"/>
+              </a:ext>
+            </a:extLst>
+          </p:cNvPr>
+          <p:cNvSpPr txBox="1"/>
+          <p:nvPr/>
+        </p:nvSpPr>
+        <p:spPr>
+          <a:xfrm>
+            <a:off x="191418" y="1571108"/>
+            <a:ext cx="5109091" cy="1107996"/>
+          </a:xfrm>
+          <a:prstGeom prst="rect">
+            <a:avLst/>
+          </a:prstGeom>
+          <a:noFill/>
+        </p:spPr>
+        <p:txBody>
+          <a:bodyPr wrap="none" rtlCol="0">
+            <a:spAutoFit/>
+          </a:bodyPr>
+          <a:lstStyle/>
+          <a:p>
+            <a:pPr>
+              <a:lnSpc>
+                <a:spcPct val="150000"/>
+              </a:lnSpc>
+            </a:pPr>
+            <a:r>
+              <a:rPr kumimoji="1" lang="ja-JP" altLang="en-US" sz="4800" dirty="0">
+                <a:latin typeface="メイリオ" panose="020B0604030504040204" pitchFamily="50" charset="-128"/>
+                <a:ea typeface="メイリオ" panose="020B0604030504040204" pitchFamily="50" charset="-128"/>
+              </a:rPr>
+              <a:t>２．役職メモ機能</a:t>
+            </a:r>
+            <a:endParaRPr kumimoji="1" lang="en-US" altLang="ja-JP" sz="4800" dirty="0">
+              <a:latin typeface="メイリオ" panose="020B0604030504040204" pitchFamily="50" charset="-128"/>
+              <a:ea typeface="メイリオ" panose="020B0604030504040204" pitchFamily="50" charset="-128"/>
+            </a:endParaRPr>
+          </a:p>
+        </p:txBody>
+      </p:sp>
+      <p:sp>
+        <p:nvSpPr>
+          <p:cNvPr id="3" name="テキスト ボックス 2">
+            <a:extLst>
+              <a:ext uri="{FF2B5EF4-FFF2-40B4-BE49-F238E27FC236}">
+                <a16:creationId xmlns:a16="http://schemas.microsoft.com/office/drawing/2014/main" id="{47C4D8FB-CF32-741B-0E73-18EF38EC6247}"/>
+              </a:ext>
+            </a:extLst>
+          </p:cNvPr>
+          <p:cNvSpPr txBox="1"/>
+          <p:nvPr/>
+        </p:nvSpPr>
+        <p:spPr>
+          <a:xfrm>
+            <a:off x="297188" y="2829974"/>
+            <a:ext cx="11141438" cy="2369880"/>
+          </a:xfrm>
+          <a:prstGeom prst="rect">
+            <a:avLst/>
+          </a:prstGeom>
+          <a:noFill/>
+        </p:spPr>
+        <p:txBody>
+          <a:bodyPr wrap="square" rtlCol="0">
+            <a:spAutoFit/>
+          </a:bodyPr>
+          <a:lstStyle/>
+          <a:p>
+            <a:r>
+              <a:rPr kumimoji="1" lang="ja-JP" altLang="en-US" sz="4000" dirty="0"/>
+              <a:t>・</a:t>
+            </a:r>
+            <a:r>
+              <a:rPr kumimoji="1" lang="ja-JP" altLang="en-US" sz="3600" dirty="0"/>
+              <a:t>記録しておきたい人物のプロフィールをメモすることができる</a:t>
+            </a:r>
+            <a:endParaRPr kumimoji="1" lang="en-US" altLang="ja-JP" sz="3600" dirty="0"/>
+          </a:p>
+          <a:p>
+            <a:endParaRPr lang="en-US" altLang="ja-JP" sz="3600" dirty="0"/>
+          </a:p>
+          <a:p>
+            <a:r>
+              <a:rPr kumimoji="1" lang="ja-JP" altLang="en-US" sz="3600" dirty="0"/>
+              <a:t>・お店を探すときに参考にできる！</a:t>
+            </a:r>
+          </a:p>
+        </p:txBody>
+      </p:sp>
+    </p:spTree>
+    <p:extLst>
+      <p:ext uri="{BB962C8B-B14F-4D97-AF65-F5344CB8AC3E}">
+        <p14:creationId xmlns:p14="http://schemas.microsoft.com/office/powerpoint/2010/main" val="2409274569"/>
+      </p:ext>
+    </p:extLst>
+  </p:cSld>
+  <p:clrMapOvr>
+    <a:masterClrMapping/>
+  </p:clrMapOvr>
+</p:sld>
+</file>
+
+<file path=ppt/slides/slide7.xml><?xml version="1.0" encoding="utf-8"?>
+<p:sld xmlns:a="http://schemas.openxmlformats.org/drawingml/2006/main" xmlns:r="http://schemas.openxmlformats.org/officeDocument/2006/relationships" xmlns:p="http://schemas.openxmlformats.org/presentationml/2006/main">
+  <p:cSld>
+    <p:spTree>
+      <p:nvGrpSpPr>
+        <p:cNvPr id="1" name=""/>
+        <p:cNvGrpSpPr/>
+        <p:nvPr/>
+      </p:nvGrpSpPr>
+      <p:grpSpPr>
+        <a:xfrm>
+          <a:off x="0" y="0"/>
+          <a:ext cx="0" cy="0"/>
+          <a:chOff x="0" y="0"/>
+          <a:chExt cx="0" cy="0"/>
+        </a:xfrm>
+      </p:grpSpPr>
+      <p:sp>
+        <p:nvSpPr>
+          <p:cNvPr id="7" name="正方形/長方形 6">
+            <a:extLst>
+              <a:ext uri="{FF2B5EF4-FFF2-40B4-BE49-F238E27FC236}">
+                <a16:creationId xmlns:a16="http://schemas.microsoft.com/office/drawing/2014/main" id="{47359CFA-E860-4531-A4C4-66F1B78D3A26}"/>
+              </a:ext>
+            </a:extLst>
+          </p:cNvPr>
+          <p:cNvSpPr/>
+          <p:nvPr/>
+        </p:nvSpPr>
+        <p:spPr>
+          <a:xfrm>
             <a:off x="0" y="-3344"/>
             <a:ext cx="12192000" cy="1420238"/>
           </a:xfrm>
@@ -5479,7 +5748,7 @@
         <p:spPr>
           <a:xfrm>
             <a:off x="297712" y="1904585"/>
-            <a:ext cx="11727711" cy="2031325"/>
+            <a:ext cx="11727711" cy="3970318"/>
           </a:xfrm>
           <a:prstGeom prst="rect">
             <a:avLst/>
@@ -5522,7 +5791,60 @@
           <a:p>
             <a:r>
               <a:rPr kumimoji="1" lang="ja-JP" altLang="en-US" dirty="0"/>
-              <a:t>それぞれの認識をすり合わせるのも大変だったし、スケジュール管理も大変だった。 </a:t>
+              <a:t>それぞれの認識をすり合わせるのも大変だったし、スケジュール管理も大変だった。</a:t>
+            </a:r>
+            <a:endParaRPr kumimoji="1" lang="en-US" altLang="ja-JP" dirty="0"/>
+          </a:p>
+          <a:p>
+            <a:endParaRPr lang="en-US" altLang="ja-JP" dirty="0"/>
+          </a:p>
+          <a:p>
+            <a:r>
+              <a:rPr lang="ja-JP" altLang="en-US" dirty="0"/>
+              <a:t>苦労した点</a:t>
+            </a:r>
+            <a:endParaRPr lang="en-US" altLang="ja-JP" dirty="0"/>
+          </a:p>
+          <a:p>
+            <a:r>
+              <a:rPr kumimoji="1" lang="ja-JP" altLang="en-US" dirty="0"/>
+              <a:t>・技術面の知識不足 </a:t>
+            </a:r>
+            <a:endParaRPr kumimoji="1" lang="en-US" altLang="ja-JP" dirty="0"/>
+          </a:p>
+          <a:p>
+            <a:r>
+              <a:rPr lang="ja-JP" altLang="en-US" dirty="0"/>
+              <a:t>　メンバーにたくさん頼った。</a:t>
+            </a:r>
+            <a:endParaRPr lang="en-US" altLang="ja-JP" dirty="0"/>
+          </a:p>
+          <a:p>
+            <a:r>
+              <a:rPr kumimoji="1" lang="ja-JP" altLang="en-US" dirty="0"/>
+              <a:t>成長できた点</a:t>
+            </a:r>
+            <a:endParaRPr kumimoji="1" lang="en-US" altLang="ja-JP" dirty="0"/>
+          </a:p>
+          <a:p>
+            <a:r>
+              <a:rPr lang="ja-JP" altLang="en-US" dirty="0"/>
+              <a:t>・技術力とコミュニケーション能力の向上</a:t>
+            </a:r>
+            <a:endParaRPr lang="en-US" altLang="ja-JP" dirty="0"/>
+          </a:p>
+          <a:p>
+            <a:r>
+              <a:rPr kumimoji="1" lang="ja-JP" altLang="en-US" dirty="0"/>
+              <a:t>　</a:t>
+            </a:r>
+            <a:r>
+              <a:rPr lang="ja-JP" altLang="en-US" dirty="0"/>
+              <a:t>わからない点をきちんと</a:t>
+            </a:r>
+            <a:r>
+              <a:rPr kumimoji="1" lang="ja-JP" altLang="en-US" dirty="0"/>
+              <a:t>説明できるようになった。前の自分よりプログラムが書けるようになった。</a:t>
             </a:r>
           </a:p>
           <a:p>
@@ -5543,7 +5865,7 @@
 </p:sld>
 </file>
 
-<file path=ppt/slides/slide7.xml><?xml version="1.0" encoding="utf-8"?>
+<file path=ppt/slides/slide8.xml><?xml version="1.0" encoding="utf-8"?>
 <p:sld xmlns:a="http://schemas.openxmlformats.org/drawingml/2006/main" xmlns:r="http://schemas.openxmlformats.org/officeDocument/2006/relationships" xmlns:p="http://schemas.openxmlformats.org/presentationml/2006/main">
   <p:cSld>
     <p:spTree>

--- a/doc/B3_発表資料.pptx
+++ b/doc/B3_発表資料.pptx
@@ -5,7 +5,7 @@
     <p:sldMasterId id="2147483648" r:id="rId1"/>
   </p:sldMasterIdLst>
   <p:notesMasterIdLst>
-    <p:notesMasterId r:id="rId10"/>
+    <p:notesMasterId r:id="rId18"/>
   </p:notesMasterIdLst>
   <p:sldIdLst>
     <p:sldId id="267" r:id="rId2"/>
@@ -14,8 +14,16 @@
     <p:sldId id="268" r:id="rId5"/>
     <p:sldId id="266" r:id="rId6"/>
     <p:sldId id="270" r:id="rId7"/>
-    <p:sldId id="263" r:id="rId8"/>
-    <p:sldId id="269" r:id="rId9"/>
+    <p:sldId id="272" r:id="rId8"/>
+    <p:sldId id="273" r:id="rId9"/>
+    <p:sldId id="274" r:id="rId10"/>
+    <p:sldId id="275" r:id="rId11"/>
+    <p:sldId id="271" r:id="rId12"/>
+    <p:sldId id="263" r:id="rId13"/>
+    <p:sldId id="276" r:id="rId14"/>
+    <p:sldId id="277" r:id="rId15"/>
+    <p:sldId id="278" r:id="rId16"/>
+    <p:sldId id="269" r:id="rId17"/>
   </p:sldIdLst>
   <p:sldSz cx="12192000" cy="6858000"/>
   <p:notesSz cx="6858000" cy="9144000"/>
@@ -587,6 +595,441 @@
 </p:notes>
 </file>
 
+<file path=ppt/notesSlides/notesSlide10.xml><?xml version="1.0" encoding="utf-8"?>
+<p:notes xmlns:a="http://schemas.openxmlformats.org/drawingml/2006/main" xmlns:r="http://schemas.openxmlformats.org/officeDocument/2006/relationships" xmlns:p="http://schemas.openxmlformats.org/presentationml/2006/main">
+  <p:cSld>
+    <p:spTree>
+      <p:nvGrpSpPr>
+        <p:cNvPr id="1" name=""/>
+        <p:cNvGrpSpPr/>
+        <p:nvPr/>
+      </p:nvGrpSpPr>
+      <p:grpSpPr>
+        <a:xfrm>
+          <a:off x="0" y="0"/>
+          <a:ext cx="0" cy="0"/>
+          <a:chOff x="0" y="0"/>
+          <a:chExt cx="0" cy="0"/>
+        </a:xfrm>
+      </p:grpSpPr>
+      <p:sp>
+        <p:nvSpPr>
+          <p:cNvPr id="2" name="スライド イメージ プレースホルダー 1"/>
+          <p:cNvSpPr>
+            <a:spLocks noGrp="1" noRot="1" noChangeAspect="1"/>
+          </p:cNvSpPr>
+          <p:nvPr>
+            <p:ph type="sldImg"/>
+          </p:nvPr>
+        </p:nvSpPr>
+        <p:spPr/>
+      </p:sp>
+      <p:sp>
+        <p:nvSpPr>
+          <p:cNvPr id="3" name="ノート プレースホルダー 2"/>
+          <p:cNvSpPr>
+            <a:spLocks noGrp="1"/>
+          </p:cNvSpPr>
+          <p:nvPr>
+            <p:ph type="body" idx="1"/>
+          </p:nvPr>
+        </p:nvSpPr>
+        <p:spPr/>
+        <p:txBody>
+          <a:bodyPr/>
+          <a:lstStyle/>
+          <a:p>
+            <a:r>
+              <a:rPr kumimoji="1" lang="ja-JP" altLang="en-US" dirty="0"/>
+              <a:t>各自</a:t>
+            </a:r>
+          </a:p>
+        </p:txBody>
+      </p:sp>
+      <p:sp>
+        <p:nvSpPr>
+          <p:cNvPr id="4" name="スライド番号プレースホルダー 3"/>
+          <p:cNvSpPr>
+            <a:spLocks noGrp="1"/>
+          </p:cNvSpPr>
+          <p:nvPr>
+            <p:ph type="sldNum" sz="quarter" idx="5"/>
+          </p:nvPr>
+        </p:nvSpPr>
+        <p:spPr/>
+        <p:txBody>
+          <a:bodyPr/>
+          <a:lstStyle/>
+          <a:p>
+            <a:fld id="{FA20FF19-0B51-4143-A2C5-21987E9CA42E}" type="slidenum">
+              <a:rPr kumimoji="1" lang="ja-JP" altLang="en-US" smtClean="0"/>
+              <a:t>12</a:t>
+            </a:fld>
+            <a:endParaRPr kumimoji="1" lang="ja-JP" altLang="en-US"/>
+          </a:p>
+        </p:txBody>
+      </p:sp>
+    </p:spTree>
+    <p:extLst>
+      <p:ext uri="{BB962C8B-B14F-4D97-AF65-F5344CB8AC3E}">
+        <p14:creationId xmlns:p14="http://schemas.microsoft.com/office/powerpoint/2010/main" val="4214246600"/>
+      </p:ext>
+    </p:extLst>
+  </p:cSld>
+  <p:clrMapOvr>
+    <a:masterClrMapping/>
+  </p:clrMapOvr>
+</p:notes>
+</file>
+
+<file path=ppt/notesSlides/notesSlide11.xml><?xml version="1.0" encoding="utf-8"?>
+<p:notes xmlns:a="http://schemas.openxmlformats.org/drawingml/2006/main" xmlns:r="http://schemas.openxmlformats.org/officeDocument/2006/relationships" xmlns:p="http://schemas.openxmlformats.org/presentationml/2006/main">
+  <p:cSld>
+    <p:spTree>
+      <p:nvGrpSpPr>
+        <p:cNvPr id="1" name=""/>
+        <p:cNvGrpSpPr/>
+        <p:nvPr/>
+      </p:nvGrpSpPr>
+      <p:grpSpPr>
+        <a:xfrm>
+          <a:off x="0" y="0"/>
+          <a:ext cx="0" cy="0"/>
+          <a:chOff x="0" y="0"/>
+          <a:chExt cx="0" cy="0"/>
+        </a:xfrm>
+      </p:grpSpPr>
+      <p:sp>
+        <p:nvSpPr>
+          <p:cNvPr id="2" name="スライド イメージ プレースホルダー 1"/>
+          <p:cNvSpPr>
+            <a:spLocks noGrp="1" noRot="1" noChangeAspect="1"/>
+          </p:cNvSpPr>
+          <p:nvPr>
+            <p:ph type="sldImg"/>
+          </p:nvPr>
+        </p:nvSpPr>
+        <p:spPr/>
+      </p:sp>
+      <p:sp>
+        <p:nvSpPr>
+          <p:cNvPr id="3" name="ノート プレースホルダー 2"/>
+          <p:cNvSpPr>
+            <a:spLocks noGrp="1"/>
+          </p:cNvSpPr>
+          <p:nvPr>
+            <p:ph type="body" idx="1"/>
+          </p:nvPr>
+        </p:nvSpPr>
+        <p:spPr/>
+        <p:txBody>
+          <a:bodyPr/>
+          <a:lstStyle/>
+          <a:p>
+            <a:r>
+              <a:rPr kumimoji="1" lang="ja-JP" altLang="en-US" dirty="0"/>
+              <a:t>各自</a:t>
+            </a:r>
+          </a:p>
+        </p:txBody>
+      </p:sp>
+      <p:sp>
+        <p:nvSpPr>
+          <p:cNvPr id="4" name="スライド番号プレースホルダー 3"/>
+          <p:cNvSpPr>
+            <a:spLocks noGrp="1"/>
+          </p:cNvSpPr>
+          <p:nvPr>
+            <p:ph type="sldNum" sz="quarter" idx="5"/>
+          </p:nvPr>
+        </p:nvSpPr>
+        <p:spPr/>
+        <p:txBody>
+          <a:bodyPr/>
+          <a:lstStyle/>
+          <a:p>
+            <a:fld id="{FA20FF19-0B51-4143-A2C5-21987E9CA42E}" type="slidenum">
+              <a:rPr kumimoji="1" lang="ja-JP" altLang="en-US" smtClean="0"/>
+              <a:t>13</a:t>
+            </a:fld>
+            <a:endParaRPr kumimoji="1" lang="ja-JP" altLang="en-US"/>
+          </a:p>
+        </p:txBody>
+      </p:sp>
+    </p:spTree>
+    <p:extLst>
+      <p:ext uri="{BB962C8B-B14F-4D97-AF65-F5344CB8AC3E}">
+        <p14:creationId xmlns:p14="http://schemas.microsoft.com/office/powerpoint/2010/main" val="848581301"/>
+      </p:ext>
+    </p:extLst>
+  </p:cSld>
+  <p:clrMapOvr>
+    <a:masterClrMapping/>
+  </p:clrMapOvr>
+</p:notes>
+</file>
+
+<file path=ppt/notesSlides/notesSlide12.xml><?xml version="1.0" encoding="utf-8"?>
+<p:notes xmlns:a="http://schemas.openxmlformats.org/drawingml/2006/main" xmlns:r="http://schemas.openxmlformats.org/officeDocument/2006/relationships" xmlns:p="http://schemas.openxmlformats.org/presentationml/2006/main">
+  <p:cSld>
+    <p:spTree>
+      <p:nvGrpSpPr>
+        <p:cNvPr id="1" name=""/>
+        <p:cNvGrpSpPr/>
+        <p:nvPr/>
+      </p:nvGrpSpPr>
+      <p:grpSpPr>
+        <a:xfrm>
+          <a:off x="0" y="0"/>
+          <a:ext cx="0" cy="0"/>
+          <a:chOff x="0" y="0"/>
+          <a:chExt cx="0" cy="0"/>
+        </a:xfrm>
+      </p:grpSpPr>
+      <p:sp>
+        <p:nvSpPr>
+          <p:cNvPr id="2" name="スライド イメージ プレースホルダー 1"/>
+          <p:cNvSpPr>
+            <a:spLocks noGrp="1" noRot="1" noChangeAspect="1"/>
+          </p:cNvSpPr>
+          <p:nvPr>
+            <p:ph type="sldImg"/>
+          </p:nvPr>
+        </p:nvSpPr>
+        <p:spPr/>
+      </p:sp>
+      <p:sp>
+        <p:nvSpPr>
+          <p:cNvPr id="3" name="ノート プレースホルダー 2"/>
+          <p:cNvSpPr>
+            <a:spLocks noGrp="1"/>
+          </p:cNvSpPr>
+          <p:nvPr>
+            <p:ph type="body" idx="1"/>
+          </p:nvPr>
+        </p:nvSpPr>
+        <p:spPr/>
+        <p:txBody>
+          <a:bodyPr/>
+          <a:lstStyle/>
+          <a:p>
+            <a:r>
+              <a:rPr kumimoji="1" lang="ja-JP" altLang="en-US" dirty="0"/>
+              <a:t>各自</a:t>
+            </a:r>
+          </a:p>
+        </p:txBody>
+      </p:sp>
+      <p:sp>
+        <p:nvSpPr>
+          <p:cNvPr id="4" name="スライド番号プレースホルダー 3"/>
+          <p:cNvSpPr>
+            <a:spLocks noGrp="1"/>
+          </p:cNvSpPr>
+          <p:nvPr>
+            <p:ph type="sldNum" sz="quarter" idx="5"/>
+          </p:nvPr>
+        </p:nvSpPr>
+        <p:spPr/>
+        <p:txBody>
+          <a:bodyPr/>
+          <a:lstStyle/>
+          <a:p>
+            <a:fld id="{FA20FF19-0B51-4143-A2C5-21987E9CA42E}" type="slidenum">
+              <a:rPr kumimoji="1" lang="ja-JP" altLang="en-US" smtClean="0"/>
+              <a:t>14</a:t>
+            </a:fld>
+            <a:endParaRPr kumimoji="1" lang="ja-JP" altLang="en-US"/>
+          </a:p>
+        </p:txBody>
+      </p:sp>
+    </p:spTree>
+    <p:extLst>
+      <p:ext uri="{BB962C8B-B14F-4D97-AF65-F5344CB8AC3E}">
+        <p14:creationId xmlns:p14="http://schemas.microsoft.com/office/powerpoint/2010/main" val="1816182287"/>
+      </p:ext>
+    </p:extLst>
+  </p:cSld>
+  <p:clrMapOvr>
+    <a:masterClrMapping/>
+  </p:clrMapOvr>
+</p:notes>
+</file>
+
+<file path=ppt/notesSlides/notesSlide13.xml><?xml version="1.0" encoding="utf-8"?>
+<p:notes xmlns:a="http://schemas.openxmlformats.org/drawingml/2006/main" xmlns:r="http://schemas.openxmlformats.org/officeDocument/2006/relationships" xmlns:p="http://schemas.openxmlformats.org/presentationml/2006/main">
+  <p:cSld>
+    <p:spTree>
+      <p:nvGrpSpPr>
+        <p:cNvPr id="1" name=""/>
+        <p:cNvGrpSpPr/>
+        <p:nvPr/>
+      </p:nvGrpSpPr>
+      <p:grpSpPr>
+        <a:xfrm>
+          <a:off x="0" y="0"/>
+          <a:ext cx="0" cy="0"/>
+          <a:chOff x="0" y="0"/>
+          <a:chExt cx="0" cy="0"/>
+        </a:xfrm>
+      </p:grpSpPr>
+      <p:sp>
+        <p:nvSpPr>
+          <p:cNvPr id="2" name="スライド イメージ プレースホルダー 1"/>
+          <p:cNvSpPr>
+            <a:spLocks noGrp="1" noRot="1" noChangeAspect="1"/>
+          </p:cNvSpPr>
+          <p:nvPr>
+            <p:ph type="sldImg"/>
+          </p:nvPr>
+        </p:nvSpPr>
+        <p:spPr/>
+      </p:sp>
+      <p:sp>
+        <p:nvSpPr>
+          <p:cNvPr id="3" name="ノート プレースホルダー 2"/>
+          <p:cNvSpPr>
+            <a:spLocks noGrp="1"/>
+          </p:cNvSpPr>
+          <p:nvPr>
+            <p:ph type="body" idx="1"/>
+          </p:nvPr>
+        </p:nvSpPr>
+        <p:spPr/>
+        <p:txBody>
+          <a:bodyPr/>
+          <a:lstStyle/>
+          <a:p>
+            <a:r>
+              <a:rPr kumimoji="1" lang="ja-JP" altLang="en-US" dirty="0"/>
+              <a:t>各自</a:t>
+            </a:r>
+          </a:p>
+        </p:txBody>
+      </p:sp>
+      <p:sp>
+        <p:nvSpPr>
+          <p:cNvPr id="4" name="スライド番号プレースホルダー 3"/>
+          <p:cNvSpPr>
+            <a:spLocks noGrp="1"/>
+          </p:cNvSpPr>
+          <p:nvPr>
+            <p:ph type="sldNum" sz="quarter" idx="5"/>
+          </p:nvPr>
+        </p:nvSpPr>
+        <p:spPr/>
+        <p:txBody>
+          <a:bodyPr/>
+          <a:lstStyle/>
+          <a:p>
+            <a:fld id="{FA20FF19-0B51-4143-A2C5-21987E9CA42E}" type="slidenum">
+              <a:rPr kumimoji="1" lang="ja-JP" altLang="en-US" smtClean="0"/>
+              <a:t>15</a:t>
+            </a:fld>
+            <a:endParaRPr kumimoji="1" lang="ja-JP" altLang="en-US"/>
+          </a:p>
+        </p:txBody>
+      </p:sp>
+    </p:spTree>
+    <p:extLst>
+      <p:ext uri="{BB962C8B-B14F-4D97-AF65-F5344CB8AC3E}">
+        <p14:creationId xmlns:p14="http://schemas.microsoft.com/office/powerpoint/2010/main" val="873357847"/>
+      </p:ext>
+    </p:extLst>
+  </p:cSld>
+  <p:clrMapOvr>
+    <a:masterClrMapping/>
+  </p:clrMapOvr>
+</p:notes>
+</file>
+
+<file path=ppt/notesSlides/notesSlide14.xml><?xml version="1.0" encoding="utf-8"?>
+<p:notes xmlns:a="http://schemas.openxmlformats.org/drawingml/2006/main" xmlns:r="http://schemas.openxmlformats.org/officeDocument/2006/relationships" xmlns:p="http://schemas.openxmlformats.org/presentationml/2006/main">
+  <p:cSld>
+    <p:spTree>
+      <p:nvGrpSpPr>
+        <p:cNvPr id="1" name=""/>
+        <p:cNvGrpSpPr/>
+        <p:nvPr/>
+      </p:nvGrpSpPr>
+      <p:grpSpPr>
+        <a:xfrm>
+          <a:off x="0" y="0"/>
+          <a:ext cx="0" cy="0"/>
+          <a:chOff x="0" y="0"/>
+          <a:chExt cx="0" cy="0"/>
+        </a:xfrm>
+      </p:grpSpPr>
+      <p:sp>
+        <p:nvSpPr>
+          <p:cNvPr id="2" name="スライド イメージ プレースホルダー 1"/>
+          <p:cNvSpPr>
+            <a:spLocks noGrp="1" noRot="1" noChangeAspect="1"/>
+          </p:cNvSpPr>
+          <p:nvPr>
+            <p:ph type="sldImg"/>
+          </p:nvPr>
+        </p:nvSpPr>
+        <p:spPr/>
+      </p:sp>
+      <p:sp>
+        <p:nvSpPr>
+          <p:cNvPr id="3" name="ノート プレースホルダー 2"/>
+          <p:cNvSpPr>
+            <a:spLocks noGrp="1"/>
+          </p:cNvSpPr>
+          <p:nvPr>
+            <p:ph type="body" idx="1"/>
+          </p:nvPr>
+        </p:nvSpPr>
+        <p:spPr/>
+        <p:txBody>
+          <a:bodyPr/>
+          <a:lstStyle/>
+          <a:p>
+            <a:r>
+              <a:rPr kumimoji="1" lang="ja-JP" altLang="en-US" dirty="0"/>
+              <a:t>各自</a:t>
+            </a:r>
+          </a:p>
+        </p:txBody>
+      </p:sp>
+      <p:sp>
+        <p:nvSpPr>
+          <p:cNvPr id="4" name="スライド番号プレースホルダー 3"/>
+          <p:cNvSpPr>
+            <a:spLocks noGrp="1"/>
+          </p:cNvSpPr>
+          <p:nvPr>
+            <p:ph type="sldNum" sz="quarter" idx="5"/>
+          </p:nvPr>
+        </p:nvSpPr>
+        <p:spPr/>
+        <p:txBody>
+          <a:bodyPr/>
+          <a:lstStyle/>
+          <a:p>
+            <a:fld id="{FA20FF19-0B51-4143-A2C5-21987E9CA42E}" type="slidenum">
+              <a:rPr kumimoji="1" lang="ja-JP" altLang="en-US" smtClean="0"/>
+              <a:t>16</a:t>
+            </a:fld>
+            <a:endParaRPr kumimoji="1" lang="ja-JP" altLang="en-US"/>
+          </a:p>
+        </p:txBody>
+      </p:sp>
+    </p:spTree>
+    <p:extLst>
+      <p:ext uri="{BB962C8B-B14F-4D97-AF65-F5344CB8AC3E}">
+        <p14:creationId xmlns:p14="http://schemas.microsoft.com/office/powerpoint/2010/main" val="2221215304"/>
+      </p:ext>
+    </p:extLst>
+  </p:cSld>
+  <p:clrMapOvr>
+    <a:masterClrMapping/>
+  </p:clrMapOvr>
+</p:notes>
+</file>
+
 <file path=ppt/notesSlides/notesSlide2.xml><?xml version="1.0" encoding="utf-8"?>
 <p:notes xmlns:a="http://schemas.openxmlformats.org/drawingml/2006/main" xmlns:r="http://schemas.openxmlformats.org/officeDocument/2006/relationships" xmlns:p="http://schemas.openxmlformats.org/presentationml/2006/main">
   <p:cSld>
@@ -883,10 +1326,7 @@
           <a:bodyPr/>
           <a:lstStyle/>
           <a:p>
-            <a:r>
-              <a:rPr kumimoji="1" lang="ja-JP" altLang="en-US" dirty="0"/>
-              <a:t>各自</a:t>
-            </a:r>
+            <a:endParaRPr kumimoji="1" lang="ja-JP" altLang="en-US" dirty="0"/>
           </a:p>
         </p:txBody>
       </p:sp>
@@ -916,7 +1356,7 @@
     </p:spTree>
     <p:extLst>
       <p:ext uri="{BB962C8B-B14F-4D97-AF65-F5344CB8AC3E}">
-        <p14:creationId xmlns:p14="http://schemas.microsoft.com/office/powerpoint/2010/main" val="4214246600"/>
+        <p14:creationId xmlns:p14="http://schemas.microsoft.com/office/powerpoint/2010/main" val="1504004886"/>
       </p:ext>
     </p:extLst>
   </p:cSld>
@@ -970,10 +1410,7 @@
           <a:bodyPr/>
           <a:lstStyle/>
           <a:p>
-            <a:r>
-              <a:rPr kumimoji="1" lang="ja-JP" altLang="en-US" dirty="0"/>
-              <a:t>各自</a:t>
-            </a:r>
+            <a:endParaRPr kumimoji="1" lang="ja-JP" altLang="en-US" dirty="0"/>
           </a:p>
         </p:txBody>
       </p:sp>
@@ -1003,7 +1440,262 @@
     </p:spTree>
     <p:extLst>
       <p:ext uri="{BB962C8B-B14F-4D97-AF65-F5344CB8AC3E}">
-        <p14:creationId xmlns:p14="http://schemas.microsoft.com/office/powerpoint/2010/main" val="2221215304"/>
+        <p14:creationId xmlns:p14="http://schemas.microsoft.com/office/powerpoint/2010/main" val="692455473"/>
+      </p:ext>
+    </p:extLst>
+  </p:cSld>
+  <p:clrMapOvr>
+    <a:masterClrMapping/>
+  </p:clrMapOvr>
+</p:notes>
+</file>
+
+<file path=ppt/notesSlides/notesSlide7.xml><?xml version="1.0" encoding="utf-8"?>
+<p:notes xmlns:a="http://schemas.openxmlformats.org/drawingml/2006/main" xmlns:r="http://schemas.openxmlformats.org/officeDocument/2006/relationships" xmlns:p="http://schemas.openxmlformats.org/presentationml/2006/main">
+  <p:cSld>
+    <p:spTree>
+      <p:nvGrpSpPr>
+        <p:cNvPr id="1" name=""/>
+        <p:cNvGrpSpPr/>
+        <p:nvPr/>
+      </p:nvGrpSpPr>
+      <p:grpSpPr>
+        <a:xfrm>
+          <a:off x="0" y="0"/>
+          <a:ext cx="0" cy="0"/>
+          <a:chOff x="0" y="0"/>
+          <a:chExt cx="0" cy="0"/>
+        </a:xfrm>
+      </p:grpSpPr>
+      <p:sp>
+        <p:nvSpPr>
+          <p:cNvPr id="2" name="スライド イメージ プレースホルダー 1"/>
+          <p:cNvSpPr>
+            <a:spLocks noGrp="1" noRot="1" noChangeAspect="1"/>
+          </p:cNvSpPr>
+          <p:nvPr>
+            <p:ph type="sldImg"/>
+          </p:nvPr>
+        </p:nvSpPr>
+        <p:spPr/>
+      </p:sp>
+      <p:sp>
+        <p:nvSpPr>
+          <p:cNvPr id="3" name="ノート プレースホルダー 2"/>
+          <p:cNvSpPr>
+            <a:spLocks noGrp="1"/>
+          </p:cNvSpPr>
+          <p:nvPr>
+            <p:ph type="body" idx="1"/>
+          </p:nvPr>
+        </p:nvSpPr>
+        <p:spPr/>
+        <p:txBody>
+          <a:bodyPr/>
+          <a:lstStyle/>
+          <a:p>
+            <a:endParaRPr kumimoji="1" lang="ja-JP" altLang="en-US" dirty="0"/>
+          </a:p>
+        </p:txBody>
+      </p:sp>
+      <p:sp>
+        <p:nvSpPr>
+          <p:cNvPr id="4" name="スライド番号プレースホルダー 3"/>
+          <p:cNvSpPr>
+            <a:spLocks noGrp="1"/>
+          </p:cNvSpPr>
+          <p:nvPr>
+            <p:ph type="sldNum" sz="quarter" idx="5"/>
+          </p:nvPr>
+        </p:nvSpPr>
+        <p:spPr/>
+        <p:txBody>
+          <a:bodyPr/>
+          <a:lstStyle/>
+          <a:p>
+            <a:fld id="{FA20FF19-0B51-4143-A2C5-21987E9CA42E}" type="slidenum">
+              <a:rPr kumimoji="1" lang="ja-JP" altLang="en-US" smtClean="0"/>
+              <a:t>9</a:t>
+            </a:fld>
+            <a:endParaRPr kumimoji="1" lang="ja-JP" altLang="en-US"/>
+          </a:p>
+        </p:txBody>
+      </p:sp>
+    </p:spTree>
+    <p:extLst>
+      <p:ext uri="{BB962C8B-B14F-4D97-AF65-F5344CB8AC3E}">
+        <p14:creationId xmlns:p14="http://schemas.microsoft.com/office/powerpoint/2010/main" val="928481492"/>
+      </p:ext>
+    </p:extLst>
+  </p:cSld>
+  <p:clrMapOvr>
+    <a:masterClrMapping/>
+  </p:clrMapOvr>
+</p:notes>
+</file>
+
+<file path=ppt/notesSlides/notesSlide8.xml><?xml version="1.0" encoding="utf-8"?>
+<p:notes xmlns:a="http://schemas.openxmlformats.org/drawingml/2006/main" xmlns:r="http://schemas.openxmlformats.org/officeDocument/2006/relationships" xmlns:p="http://schemas.openxmlformats.org/presentationml/2006/main">
+  <p:cSld>
+    <p:spTree>
+      <p:nvGrpSpPr>
+        <p:cNvPr id="1" name=""/>
+        <p:cNvGrpSpPr/>
+        <p:nvPr/>
+      </p:nvGrpSpPr>
+      <p:grpSpPr>
+        <a:xfrm>
+          <a:off x="0" y="0"/>
+          <a:ext cx="0" cy="0"/>
+          <a:chOff x="0" y="0"/>
+          <a:chExt cx="0" cy="0"/>
+        </a:xfrm>
+      </p:grpSpPr>
+      <p:sp>
+        <p:nvSpPr>
+          <p:cNvPr id="2" name="スライド イメージ プレースホルダー 1"/>
+          <p:cNvSpPr>
+            <a:spLocks noGrp="1" noRot="1" noChangeAspect="1"/>
+          </p:cNvSpPr>
+          <p:nvPr>
+            <p:ph type="sldImg"/>
+          </p:nvPr>
+        </p:nvSpPr>
+        <p:spPr/>
+      </p:sp>
+      <p:sp>
+        <p:nvSpPr>
+          <p:cNvPr id="3" name="ノート プレースホルダー 2"/>
+          <p:cNvSpPr>
+            <a:spLocks noGrp="1"/>
+          </p:cNvSpPr>
+          <p:nvPr>
+            <p:ph type="body" idx="1"/>
+          </p:nvPr>
+        </p:nvSpPr>
+        <p:spPr/>
+        <p:txBody>
+          <a:bodyPr/>
+          <a:lstStyle/>
+          <a:p>
+            <a:endParaRPr kumimoji="1" lang="ja-JP" altLang="en-US" dirty="0"/>
+          </a:p>
+        </p:txBody>
+      </p:sp>
+      <p:sp>
+        <p:nvSpPr>
+          <p:cNvPr id="4" name="スライド番号プレースホルダー 3"/>
+          <p:cNvSpPr>
+            <a:spLocks noGrp="1"/>
+          </p:cNvSpPr>
+          <p:nvPr>
+            <p:ph type="sldNum" sz="quarter" idx="5"/>
+          </p:nvPr>
+        </p:nvSpPr>
+        <p:spPr/>
+        <p:txBody>
+          <a:bodyPr/>
+          <a:lstStyle/>
+          <a:p>
+            <a:fld id="{FA20FF19-0B51-4143-A2C5-21987E9CA42E}" type="slidenum">
+              <a:rPr kumimoji="1" lang="ja-JP" altLang="en-US" smtClean="0"/>
+              <a:t>10</a:t>
+            </a:fld>
+            <a:endParaRPr kumimoji="1" lang="ja-JP" altLang="en-US"/>
+          </a:p>
+        </p:txBody>
+      </p:sp>
+    </p:spTree>
+    <p:extLst>
+      <p:ext uri="{BB962C8B-B14F-4D97-AF65-F5344CB8AC3E}">
+        <p14:creationId xmlns:p14="http://schemas.microsoft.com/office/powerpoint/2010/main" val="3527142471"/>
+      </p:ext>
+    </p:extLst>
+  </p:cSld>
+  <p:clrMapOvr>
+    <a:masterClrMapping/>
+  </p:clrMapOvr>
+</p:notes>
+</file>
+
+<file path=ppt/notesSlides/notesSlide9.xml><?xml version="1.0" encoding="utf-8"?>
+<p:notes xmlns:a="http://schemas.openxmlformats.org/drawingml/2006/main" xmlns:r="http://schemas.openxmlformats.org/officeDocument/2006/relationships" xmlns:p="http://schemas.openxmlformats.org/presentationml/2006/main">
+  <p:cSld>
+    <p:spTree>
+      <p:nvGrpSpPr>
+        <p:cNvPr id="1" name=""/>
+        <p:cNvGrpSpPr/>
+        <p:nvPr/>
+      </p:nvGrpSpPr>
+      <p:grpSpPr>
+        <a:xfrm>
+          <a:off x="0" y="0"/>
+          <a:ext cx="0" cy="0"/>
+          <a:chOff x="0" y="0"/>
+          <a:chExt cx="0" cy="0"/>
+        </a:xfrm>
+      </p:grpSpPr>
+      <p:sp>
+        <p:nvSpPr>
+          <p:cNvPr id="2" name="スライド イメージ プレースホルダー 1"/>
+          <p:cNvSpPr>
+            <a:spLocks noGrp="1" noRot="1" noChangeAspect="1"/>
+          </p:cNvSpPr>
+          <p:nvPr>
+            <p:ph type="sldImg"/>
+          </p:nvPr>
+        </p:nvSpPr>
+        <p:spPr/>
+      </p:sp>
+      <p:sp>
+        <p:nvSpPr>
+          <p:cNvPr id="3" name="ノート プレースホルダー 2"/>
+          <p:cNvSpPr>
+            <a:spLocks noGrp="1"/>
+          </p:cNvSpPr>
+          <p:nvPr>
+            <p:ph type="body" idx="1"/>
+          </p:nvPr>
+        </p:nvSpPr>
+        <p:spPr/>
+        <p:txBody>
+          <a:bodyPr/>
+          <a:lstStyle/>
+          <a:p>
+            <a:r>
+              <a:rPr kumimoji="1" lang="ja-JP" altLang="en-US" dirty="0"/>
+              <a:t>各自</a:t>
+            </a:r>
+          </a:p>
+        </p:txBody>
+      </p:sp>
+      <p:sp>
+        <p:nvSpPr>
+          <p:cNvPr id="4" name="スライド番号プレースホルダー 3"/>
+          <p:cNvSpPr>
+            <a:spLocks noGrp="1"/>
+          </p:cNvSpPr>
+          <p:nvPr>
+            <p:ph type="sldNum" sz="quarter" idx="5"/>
+          </p:nvPr>
+        </p:nvSpPr>
+        <p:spPr/>
+        <p:txBody>
+          <a:bodyPr/>
+          <a:lstStyle/>
+          <a:p>
+            <a:fld id="{FA20FF19-0B51-4143-A2C5-21987E9CA42E}" type="slidenum">
+              <a:rPr kumimoji="1" lang="ja-JP" altLang="en-US" smtClean="0"/>
+              <a:t>11</a:t>
+            </a:fld>
+            <a:endParaRPr kumimoji="1" lang="ja-JP" altLang="en-US"/>
+          </a:p>
+        </p:txBody>
+      </p:sp>
+    </p:spTree>
+    <p:extLst>
+      <p:ext uri="{BB962C8B-B14F-4D97-AF65-F5344CB8AC3E}">
+        <p14:creationId xmlns:p14="http://schemas.microsoft.com/office/powerpoint/2010/main" val="1850087362"/>
       </p:ext>
     </p:extLst>
   </p:cSld>
@@ -4572,6 +5264,1525 @@
 </p:sld>
 </file>
 
+<file path=ppt/slides/slide10.xml><?xml version="1.0" encoding="utf-8"?>
+<p:sld xmlns:a="http://schemas.openxmlformats.org/drawingml/2006/main" xmlns:r="http://schemas.openxmlformats.org/officeDocument/2006/relationships" xmlns:p="http://schemas.openxmlformats.org/presentationml/2006/main">
+  <p:cSld>
+    <p:spTree>
+      <p:nvGrpSpPr>
+        <p:cNvPr id="1" name=""/>
+        <p:cNvGrpSpPr/>
+        <p:nvPr/>
+      </p:nvGrpSpPr>
+      <p:grpSpPr>
+        <a:xfrm>
+          <a:off x="0" y="0"/>
+          <a:ext cx="0" cy="0"/>
+          <a:chOff x="0" y="0"/>
+          <a:chExt cx="0" cy="0"/>
+        </a:xfrm>
+      </p:grpSpPr>
+      <p:sp>
+        <p:nvSpPr>
+          <p:cNvPr id="7" name="正方形/長方形 6">
+            <a:extLst>
+              <a:ext uri="{FF2B5EF4-FFF2-40B4-BE49-F238E27FC236}">
+                <a16:creationId xmlns:a16="http://schemas.microsoft.com/office/drawing/2014/main" id="{47359CFA-E860-4531-A4C4-66F1B78D3A26}"/>
+              </a:ext>
+            </a:extLst>
+          </p:cNvPr>
+          <p:cNvSpPr/>
+          <p:nvPr/>
+        </p:nvSpPr>
+        <p:spPr>
+          <a:xfrm>
+            <a:off x="0" y="0"/>
+            <a:ext cx="12192000" cy="1420238"/>
+          </a:xfrm>
+          <a:prstGeom prst="rect">
+            <a:avLst/>
+          </a:prstGeom>
+          <a:solidFill>
+            <a:srgbClr val="DF4A23"/>
+          </a:solidFill>
+          <a:ln>
+            <a:noFill/>
+          </a:ln>
+        </p:spPr>
+        <p:style>
+          <a:lnRef idx="2">
+            <a:schemeClr val="accent1">
+              <a:shade val="50000"/>
+            </a:schemeClr>
+          </a:lnRef>
+          <a:fillRef idx="1">
+            <a:schemeClr val="accent1"/>
+          </a:fillRef>
+          <a:effectRef idx="0">
+            <a:schemeClr val="accent1"/>
+          </a:effectRef>
+          <a:fontRef idx="minor">
+            <a:schemeClr val="lt1"/>
+          </a:fontRef>
+        </p:style>
+        <p:txBody>
+          <a:bodyPr rtlCol="0" anchor="ctr"/>
+          <a:lstStyle/>
+          <a:p>
+            <a:pPr algn="ctr"/>
+            <a:r>
+              <a:rPr kumimoji="1" lang="ja-JP" altLang="en-US" sz="4000" dirty="0">
+                <a:latin typeface="メイリオ" panose="020B0604030504040204" pitchFamily="50" charset="-128"/>
+                <a:ea typeface="メイリオ" panose="020B0604030504040204" pitchFamily="50" charset="-128"/>
+              </a:rPr>
+              <a:t>機能紹介</a:t>
+            </a:r>
+          </a:p>
+        </p:txBody>
+      </p:sp>
+      <p:sp>
+        <p:nvSpPr>
+          <p:cNvPr id="2" name="テキスト ボックス 1">
+            <a:extLst>
+              <a:ext uri="{FF2B5EF4-FFF2-40B4-BE49-F238E27FC236}">
+                <a16:creationId xmlns:a16="http://schemas.microsoft.com/office/drawing/2014/main" id="{6FDB7845-30C1-4B2A-BF71-AEE476A1F50B}"/>
+              </a:ext>
+            </a:extLst>
+          </p:cNvPr>
+          <p:cNvSpPr txBox="1"/>
+          <p:nvPr/>
+        </p:nvSpPr>
+        <p:spPr>
+          <a:xfrm>
+            <a:off x="191418" y="1571108"/>
+            <a:ext cx="3877985" cy="2215991"/>
+          </a:xfrm>
+          <a:prstGeom prst="rect">
+            <a:avLst/>
+          </a:prstGeom>
+          <a:noFill/>
+        </p:spPr>
+        <p:txBody>
+          <a:bodyPr wrap="none" rtlCol="0">
+            <a:spAutoFit/>
+          </a:bodyPr>
+          <a:lstStyle/>
+          <a:p>
+            <a:pPr>
+              <a:lnSpc>
+                <a:spcPct val="150000"/>
+              </a:lnSpc>
+            </a:pPr>
+            <a:r>
+              <a:rPr kumimoji="1" lang="ja-JP" altLang="en-US" sz="4800" dirty="0">
+                <a:latin typeface="メイリオ" panose="020B0604030504040204" pitchFamily="50" charset="-128"/>
+                <a:ea typeface="メイリオ" panose="020B0604030504040204" pitchFamily="50" charset="-128"/>
+              </a:rPr>
+              <a:t>５．</a:t>
+            </a:r>
+            <a:r>
+              <a:rPr lang="ja-JP" altLang="en-US" sz="4800" b="0" i="0" u="none" strike="noStrike" dirty="0">
+                <a:solidFill>
+                  <a:srgbClr val="000000"/>
+                </a:solidFill>
+                <a:effectLst/>
+                <a:latin typeface="Arial" panose="020B0604020202020204" pitchFamily="34" charset="0"/>
+              </a:rPr>
+              <a:t>登録機能</a:t>
+            </a:r>
+            <a:endParaRPr kumimoji="1" lang="ja-JP" altLang="en-US" sz="12300" dirty="0">
+              <a:latin typeface="メイリオ" panose="020B0604030504040204" pitchFamily="50" charset="-128"/>
+              <a:ea typeface="メイリオ" panose="020B0604030504040204" pitchFamily="50" charset="-128"/>
+            </a:endParaRPr>
+          </a:p>
+          <a:p>
+            <a:pPr>
+              <a:lnSpc>
+                <a:spcPct val="150000"/>
+              </a:lnSpc>
+            </a:pPr>
+            <a:endParaRPr kumimoji="1" lang="en-US" altLang="ja-JP" sz="4800" dirty="0">
+              <a:latin typeface="メイリオ" panose="020B0604030504040204" pitchFamily="50" charset="-128"/>
+              <a:ea typeface="メイリオ" panose="020B0604030504040204" pitchFamily="50" charset="-128"/>
+            </a:endParaRPr>
+          </a:p>
+        </p:txBody>
+      </p:sp>
+      <p:sp>
+        <p:nvSpPr>
+          <p:cNvPr id="3" name="テキスト ボックス 2">
+            <a:extLst>
+              <a:ext uri="{FF2B5EF4-FFF2-40B4-BE49-F238E27FC236}">
+                <a16:creationId xmlns:a16="http://schemas.microsoft.com/office/drawing/2014/main" id="{47C4D8FB-CF32-741B-0E73-18EF38EC6247}"/>
+              </a:ext>
+            </a:extLst>
+          </p:cNvPr>
+          <p:cNvSpPr txBox="1"/>
+          <p:nvPr/>
+        </p:nvSpPr>
+        <p:spPr>
+          <a:xfrm>
+            <a:off x="297188" y="2829974"/>
+            <a:ext cx="11141438" cy="2369880"/>
+          </a:xfrm>
+          <a:prstGeom prst="rect">
+            <a:avLst/>
+          </a:prstGeom>
+          <a:noFill/>
+        </p:spPr>
+        <p:txBody>
+          <a:bodyPr wrap="square" rtlCol="0">
+            <a:spAutoFit/>
+          </a:bodyPr>
+          <a:lstStyle/>
+          <a:p>
+            <a:r>
+              <a:rPr kumimoji="1" lang="ja-JP" altLang="en-US" sz="4000" dirty="0"/>
+              <a:t>・</a:t>
+            </a:r>
+            <a:r>
+              <a:rPr kumimoji="1" lang="ja-JP" altLang="en-US" sz="3600" dirty="0"/>
+              <a:t>記録しておきたい人物のプロフィールをメモすることができる</a:t>
+            </a:r>
+            <a:endParaRPr kumimoji="1" lang="en-US" altLang="ja-JP" sz="3600" dirty="0"/>
+          </a:p>
+          <a:p>
+            <a:endParaRPr lang="en-US" altLang="ja-JP" sz="3600" dirty="0"/>
+          </a:p>
+          <a:p>
+            <a:r>
+              <a:rPr kumimoji="1" lang="ja-JP" altLang="en-US" sz="3600" dirty="0"/>
+              <a:t>・お店を探すときに参考にできる！</a:t>
+            </a:r>
+          </a:p>
+        </p:txBody>
+      </p:sp>
+    </p:spTree>
+    <p:extLst>
+      <p:ext uri="{BB962C8B-B14F-4D97-AF65-F5344CB8AC3E}">
+        <p14:creationId xmlns:p14="http://schemas.microsoft.com/office/powerpoint/2010/main" val="1961106261"/>
+      </p:ext>
+    </p:extLst>
+  </p:cSld>
+  <p:clrMapOvr>
+    <a:masterClrMapping/>
+  </p:clrMapOvr>
+</p:sld>
+</file>
+
+<file path=ppt/slides/slide11.xml><?xml version="1.0" encoding="utf-8"?>
+<p:sld xmlns:a="http://schemas.openxmlformats.org/drawingml/2006/main" xmlns:r="http://schemas.openxmlformats.org/officeDocument/2006/relationships" xmlns:p="http://schemas.openxmlformats.org/presentationml/2006/main">
+  <p:cSld>
+    <p:spTree>
+      <p:nvGrpSpPr>
+        <p:cNvPr id="1" name=""/>
+        <p:cNvGrpSpPr/>
+        <p:nvPr/>
+      </p:nvGrpSpPr>
+      <p:grpSpPr>
+        <a:xfrm>
+          <a:off x="0" y="0"/>
+          <a:ext cx="0" cy="0"/>
+          <a:chOff x="0" y="0"/>
+          <a:chExt cx="0" cy="0"/>
+        </a:xfrm>
+      </p:grpSpPr>
+      <p:sp>
+        <p:nvSpPr>
+          <p:cNvPr id="7" name="正方形/長方形 6">
+            <a:extLst>
+              <a:ext uri="{FF2B5EF4-FFF2-40B4-BE49-F238E27FC236}">
+                <a16:creationId xmlns:a16="http://schemas.microsoft.com/office/drawing/2014/main" id="{47359CFA-E860-4531-A4C4-66F1B78D3A26}"/>
+              </a:ext>
+            </a:extLst>
+          </p:cNvPr>
+          <p:cNvSpPr/>
+          <p:nvPr/>
+        </p:nvSpPr>
+        <p:spPr>
+          <a:xfrm>
+            <a:off x="0" y="-3344"/>
+            <a:ext cx="12192000" cy="1420238"/>
+          </a:xfrm>
+          <a:prstGeom prst="rect">
+            <a:avLst/>
+          </a:prstGeom>
+          <a:solidFill>
+            <a:srgbClr val="DF4A23"/>
+          </a:solidFill>
+          <a:ln>
+            <a:noFill/>
+          </a:ln>
+        </p:spPr>
+        <p:style>
+          <a:lnRef idx="2">
+            <a:schemeClr val="accent1">
+              <a:shade val="50000"/>
+            </a:schemeClr>
+          </a:lnRef>
+          <a:fillRef idx="1">
+            <a:schemeClr val="accent1"/>
+          </a:fillRef>
+          <a:effectRef idx="0">
+            <a:schemeClr val="accent1"/>
+          </a:effectRef>
+          <a:fontRef idx="minor">
+            <a:schemeClr val="lt1"/>
+          </a:fontRef>
+        </p:style>
+        <p:txBody>
+          <a:bodyPr rtlCol="0" anchor="ctr"/>
+          <a:lstStyle/>
+          <a:p>
+            <a:pPr algn="ctr"/>
+            <a:r>
+              <a:rPr lang="ja-JP" altLang="en-US" sz="4000" dirty="0">
+                <a:latin typeface="メイリオ" panose="020B0604030504040204" pitchFamily="50" charset="-128"/>
+                <a:ea typeface="メイリオ" panose="020B0604030504040204" pitchFamily="50" charset="-128"/>
+              </a:rPr>
+              <a:t>研修を終えての感想</a:t>
+            </a:r>
+            <a:endParaRPr kumimoji="1" lang="ja-JP" altLang="en-US" sz="4000" dirty="0">
+              <a:latin typeface="メイリオ" panose="020B0604030504040204" pitchFamily="50" charset="-128"/>
+              <a:ea typeface="メイリオ" panose="020B0604030504040204" pitchFamily="50" charset="-128"/>
+            </a:endParaRPr>
+          </a:p>
+        </p:txBody>
+      </p:sp>
+      <p:pic>
+        <p:nvPicPr>
+          <p:cNvPr id="4" name="図 3" descr="図形&#10;&#10;自動的に生成された説明">
+            <a:extLst>
+              <a:ext uri="{FF2B5EF4-FFF2-40B4-BE49-F238E27FC236}">
+                <a16:creationId xmlns:a16="http://schemas.microsoft.com/office/drawing/2014/main" id="{123AD53D-2824-4195-97B7-717C3A5AAA5A}"/>
+              </a:ext>
+            </a:extLst>
+          </p:cNvPr>
+          <p:cNvPicPr>
+            <a:picLocks noChangeAspect="1"/>
+          </p:cNvPicPr>
+          <p:nvPr/>
+        </p:nvPicPr>
+        <p:blipFill rotWithShape="1">
+          <a:blip r:embed="rId3">
+            <a:alphaModFix amt="9000"/>
+            <a:extLst>
+              <a:ext uri="{28A0092B-C50C-407E-A947-70E740481C1C}">
+                <a14:useLocalDpi xmlns:a14="http://schemas.microsoft.com/office/drawing/2010/main" val="0"/>
+              </a:ext>
+            </a:extLst>
+          </a:blip>
+          <a:srcRect l="8209" t="19309" r="3541" b="17773"/>
+          <a:stretch/>
+        </p:blipFill>
+        <p:spPr>
+          <a:xfrm>
+            <a:off x="3065036" y="1904585"/>
+            <a:ext cx="6274577" cy="4473543"/>
+          </a:xfrm>
+          <a:prstGeom prst="rect">
+            <a:avLst/>
+          </a:prstGeom>
+        </p:spPr>
+      </p:pic>
+      <p:sp>
+        <p:nvSpPr>
+          <p:cNvPr id="2" name="テキスト ボックス 1">
+            <a:extLst>
+              <a:ext uri="{FF2B5EF4-FFF2-40B4-BE49-F238E27FC236}">
+                <a16:creationId xmlns:a16="http://schemas.microsoft.com/office/drawing/2014/main" id="{B799B176-722A-5B79-443B-CBB70A11A9DC}"/>
+              </a:ext>
+            </a:extLst>
+          </p:cNvPr>
+          <p:cNvSpPr txBox="1"/>
+          <p:nvPr/>
+        </p:nvSpPr>
+        <p:spPr>
+          <a:xfrm>
+            <a:off x="232144" y="1681301"/>
+            <a:ext cx="11727711" cy="6001643"/>
+          </a:xfrm>
+          <a:prstGeom prst="rect">
+            <a:avLst/>
+          </a:prstGeom>
+          <a:noFill/>
+        </p:spPr>
+        <p:txBody>
+          <a:bodyPr wrap="square" rtlCol="0">
+            <a:spAutoFit/>
+          </a:bodyPr>
+          <a:lstStyle/>
+          <a:p>
+            <a:r>
+              <a:rPr kumimoji="1" lang="ja-JP" altLang="en-US" sz="3200" dirty="0"/>
+              <a:t>苦労した点</a:t>
+            </a:r>
+            <a:endParaRPr kumimoji="1" lang="en-US" altLang="ja-JP" sz="3200" dirty="0"/>
+          </a:p>
+          <a:p>
+            <a:r>
+              <a:rPr lang="ja-JP" altLang="en-US" sz="3200" dirty="0"/>
+              <a:t>・名刺管理アプリの時とは違い、元がない状態で０から自力で作るのが大変だった。</a:t>
+            </a:r>
+            <a:endParaRPr lang="en-US" altLang="ja-JP" sz="3200" dirty="0"/>
+          </a:p>
+          <a:p>
+            <a:r>
+              <a:rPr kumimoji="1" lang="ja-JP" altLang="en-US" sz="3200" dirty="0"/>
+              <a:t>成長できた点</a:t>
+            </a:r>
+            <a:endParaRPr kumimoji="1" lang="en-US" altLang="ja-JP" sz="3200" dirty="0"/>
+          </a:p>
+          <a:p>
+            <a:r>
+              <a:rPr lang="ja-JP" altLang="en-US" sz="3200" dirty="0"/>
+              <a:t>・グループで開発をするという経験が今まであまりなかったため、今回の研修でグループで開発するうえでのスケジュール管理の大変さや意見をまとめる大変さを学ぶことができた。</a:t>
+            </a:r>
+            <a:endParaRPr lang="en-US" altLang="ja-JP" sz="3200" dirty="0"/>
+          </a:p>
+          <a:p>
+            <a:r>
+              <a:rPr kumimoji="1" lang="ja-JP" altLang="en-US" sz="3200" dirty="0"/>
+              <a:t>それぞれの認識をすり合わせる</a:t>
+            </a:r>
+            <a:r>
+              <a:rPr lang="ja-JP" altLang="en-US" sz="3200" dirty="0"/>
+              <a:t>こと、</a:t>
+            </a:r>
+            <a:r>
+              <a:rPr kumimoji="1" lang="ja-JP" altLang="en-US" sz="3200" dirty="0"/>
+              <a:t>スケジュール管理も</a:t>
+            </a:r>
+            <a:r>
+              <a:rPr lang="ja-JP" altLang="en-US" sz="3200" dirty="0"/>
+              <a:t>今回の研修を行い、課題も見つかったため今後の研修や実務を通してもっと成長していきたい。</a:t>
+            </a:r>
+            <a:endParaRPr kumimoji="1" lang="en-US" altLang="ja-JP" sz="3200" dirty="0"/>
+          </a:p>
+          <a:p>
+            <a:endParaRPr lang="en-US" altLang="ja-JP" sz="3200" dirty="0"/>
+          </a:p>
+          <a:p>
+            <a:endParaRPr kumimoji="1" lang="ja-JP" altLang="en-US" sz="3200" dirty="0"/>
+          </a:p>
+        </p:txBody>
+      </p:sp>
+    </p:spTree>
+    <p:extLst>
+      <p:ext uri="{BB962C8B-B14F-4D97-AF65-F5344CB8AC3E}">
+        <p14:creationId xmlns:p14="http://schemas.microsoft.com/office/powerpoint/2010/main" val="1981561121"/>
+      </p:ext>
+    </p:extLst>
+  </p:cSld>
+  <p:clrMapOvr>
+    <a:masterClrMapping/>
+  </p:clrMapOvr>
+</p:sld>
+</file>
+
+<file path=ppt/slides/slide12.xml><?xml version="1.0" encoding="utf-8"?>
+<p:sld xmlns:a="http://schemas.openxmlformats.org/drawingml/2006/main" xmlns:r="http://schemas.openxmlformats.org/officeDocument/2006/relationships" xmlns:p="http://schemas.openxmlformats.org/presentationml/2006/main">
+  <p:cSld>
+    <p:spTree>
+      <p:nvGrpSpPr>
+        <p:cNvPr id="1" name=""/>
+        <p:cNvGrpSpPr/>
+        <p:nvPr/>
+      </p:nvGrpSpPr>
+      <p:grpSpPr>
+        <a:xfrm>
+          <a:off x="0" y="0"/>
+          <a:ext cx="0" cy="0"/>
+          <a:chOff x="0" y="0"/>
+          <a:chExt cx="0" cy="0"/>
+        </a:xfrm>
+      </p:grpSpPr>
+      <p:sp>
+        <p:nvSpPr>
+          <p:cNvPr id="7" name="正方形/長方形 6">
+            <a:extLst>
+              <a:ext uri="{FF2B5EF4-FFF2-40B4-BE49-F238E27FC236}">
+                <a16:creationId xmlns:a16="http://schemas.microsoft.com/office/drawing/2014/main" id="{47359CFA-E860-4531-A4C4-66F1B78D3A26}"/>
+              </a:ext>
+            </a:extLst>
+          </p:cNvPr>
+          <p:cNvSpPr/>
+          <p:nvPr/>
+        </p:nvSpPr>
+        <p:spPr>
+          <a:xfrm>
+            <a:off x="0" y="-3344"/>
+            <a:ext cx="12192000" cy="1420238"/>
+          </a:xfrm>
+          <a:prstGeom prst="rect">
+            <a:avLst/>
+          </a:prstGeom>
+          <a:solidFill>
+            <a:srgbClr val="DF4A23"/>
+          </a:solidFill>
+          <a:ln>
+            <a:noFill/>
+          </a:ln>
+        </p:spPr>
+        <p:style>
+          <a:lnRef idx="2">
+            <a:schemeClr val="accent1">
+              <a:shade val="50000"/>
+            </a:schemeClr>
+          </a:lnRef>
+          <a:fillRef idx="1">
+            <a:schemeClr val="accent1"/>
+          </a:fillRef>
+          <a:effectRef idx="0">
+            <a:schemeClr val="accent1"/>
+          </a:effectRef>
+          <a:fontRef idx="minor">
+            <a:schemeClr val="lt1"/>
+          </a:fontRef>
+        </p:style>
+        <p:txBody>
+          <a:bodyPr rtlCol="0" anchor="ctr"/>
+          <a:lstStyle/>
+          <a:p>
+            <a:pPr algn="ctr"/>
+            <a:r>
+              <a:rPr lang="ja-JP" altLang="en-US" sz="4000" dirty="0">
+                <a:latin typeface="メイリオ" panose="020B0604030504040204" pitchFamily="50" charset="-128"/>
+                <a:ea typeface="メイリオ" panose="020B0604030504040204" pitchFamily="50" charset="-128"/>
+              </a:rPr>
+              <a:t>研修を終えての感想</a:t>
+            </a:r>
+            <a:endParaRPr kumimoji="1" lang="ja-JP" altLang="en-US" sz="4000" dirty="0">
+              <a:latin typeface="メイリオ" panose="020B0604030504040204" pitchFamily="50" charset="-128"/>
+              <a:ea typeface="メイリオ" panose="020B0604030504040204" pitchFamily="50" charset="-128"/>
+            </a:endParaRPr>
+          </a:p>
+        </p:txBody>
+      </p:sp>
+      <p:pic>
+        <p:nvPicPr>
+          <p:cNvPr id="4" name="図 3" descr="図形&#10;&#10;自動的に生成された説明">
+            <a:extLst>
+              <a:ext uri="{FF2B5EF4-FFF2-40B4-BE49-F238E27FC236}">
+                <a16:creationId xmlns:a16="http://schemas.microsoft.com/office/drawing/2014/main" id="{123AD53D-2824-4195-97B7-717C3A5AAA5A}"/>
+              </a:ext>
+            </a:extLst>
+          </p:cNvPr>
+          <p:cNvPicPr>
+            <a:picLocks noChangeAspect="1"/>
+          </p:cNvPicPr>
+          <p:nvPr/>
+        </p:nvPicPr>
+        <p:blipFill rotWithShape="1">
+          <a:blip r:embed="rId3">
+            <a:alphaModFix amt="9000"/>
+            <a:extLst>
+              <a:ext uri="{28A0092B-C50C-407E-A947-70E740481C1C}">
+                <a14:useLocalDpi xmlns:a14="http://schemas.microsoft.com/office/drawing/2010/main" val="0"/>
+              </a:ext>
+            </a:extLst>
+          </a:blip>
+          <a:srcRect l="8209" t="19309" r="3541" b="17773"/>
+          <a:stretch/>
+        </p:blipFill>
+        <p:spPr>
+          <a:xfrm>
+            <a:off x="3065036" y="1904585"/>
+            <a:ext cx="6274577" cy="4473543"/>
+          </a:xfrm>
+          <a:prstGeom prst="rect">
+            <a:avLst/>
+          </a:prstGeom>
+        </p:spPr>
+      </p:pic>
+      <p:sp>
+        <p:nvSpPr>
+          <p:cNvPr id="2" name="テキスト ボックス 1">
+            <a:extLst>
+              <a:ext uri="{FF2B5EF4-FFF2-40B4-BE49-F238E27FC236}">
+                <a16:creationId xmlns:a16="http://schemas.microsoft.com/office/drawing/2014/main" id="{B799B176-722A-5B79-443B-CBB70A11A9DC}"/>
+              </a:ext>
+            </a:extLst>
+          </p:cNvPr>
+          <p:cNvSpPr txBox="1"/>
+          <p:nvPr/>
+        </p:nvSpPr>
+        <p:spPr>
+          <a:xfrm>
+            <a:off x="297712" y="1904585"/>
+            <a:ext cx="11727711" cy="5632311"/>
+          </a:xfrm>
+          <a:prstGeom prst="rect">
+            <a:avLst/>
+          </a:prstGeom>
+          <a:noFill/>
+        </p:spPr>
+        <p:txBody>
+          <a:bodyPr wrap="square" rtlCol="0">
+            <a:spAutoFit/>
+          </a:bodyPr>
+          <a:lstStyle/>
+          <a:p>
+            <a:r>
+              <a:rPr lang="ja-JP" altLang="en-US" sz="4000" dirty="0"/>
+              <a:t>苦労した点</a:t>
+            </a:r>
+            <a:endParaRPr lang="en-US" altLang="ja-JP" sz="4000" dirty="0"/>
+          </a:p>
+          <a:p>
+            <a:r>
+              <a:rPr kumimoji="1" lang="ja-JP" altLang="en-US" sz="4000" dirty="0"/>
+              <a:t>・技術面の知識不足 </a:t>
+            </a:r>
+            <a:endParaRPr kumimoji="1" lang="en-US" altLang="ja-JP" sz="4000" dirty="0"/>
+          </a:p>
+          <a:p>
+            <a:r>
+              <a:rPr lang="ja-JP" altLang="en-US" sz="4000" dirty="0"/>
+              <a:t>　メンバーにたくさん頼った。</a:t>
+            </a:r>
+            <a:endParaRPr lang="en-US" altLang="ja-JP" sz="4000" dirty="0"/>
+          </a:p>
+          <a:p>
+            <a:r>
+              <a:rPr kumimoji="1" lang="ja-JP" altLang="en-US" sz="4000" dirty="0"/>
+              <a:t>成長できた点</a:t>
+            </a:r>
+            <a:endParaRPr kumimoji="1" lang="en-US" altLang="ja-JP" sz="4000" dirty="0"/>
+          </a:p>
+          <a:p>
+            <a:r>
+              <a:rPr lang="ja-JP" altLang="en-US" sz="4000" dirty="0"/>
+              <a:t>・技術力とコミュニケーション能力の向上</a:t>
+            </a:r>
+            <a:endParaRPr lang="en-US" altLang="ja-JP" sz="4000" dirty="0"/>
+          </a:p>
+          <a:p>
+            <a:r>
+              <a:rPr kumimoji="1" lang="ja-JP" altLang="en-US" sz="4000" dirty="0"/>
+              <a:t>　</a:t>
+            </a:r>
+            <a:r>
+              <a:rPr lang="ja-JP" altLang="en-US" sz="4000" dirty="0"/>
+              <a:t>わからない点をきちんと</a:t>
+            </a:r>
+            <a:r>
+              <a:rPr kumimoji="1" lang="ja-JP" altLang="en-US" sz="4000" dirty="0"/>
+              <a:t>説明できるようになった。前の自分よりプログラムが書けるようになった。</a:t>
+            </a:r>
+          </a:p>
+          <a:p>
+            <a:endParaRPr kumimoji="1" lang="ja-JP" altLang="en-US" sz="4000" dirty="0"/>
+          </a:p>
+        </p:txBody>
+      </p:sp>
+    </p:spTree>
+    <p:extLst>
+      <p:ext uri="{BB962C8B-B14F-4D97-AF65-F5344CB8AC3E}">
+        <p14:creationId xmlns:p14="http://schemas.microsoft.com/office/powerpoint/2010/main" val="552208619"/>
+      </p:ext>
+    </p:extLst>
+  </p:cSld>
+  <p:clrMapOvr>
+    <a:masterClrMapping/>
+  </p:clrMapOvr>
+</p:sld>
+</file>
+
+<file path=ppt/slides/slide13.xml><?xml version="1.0" encoding="utf-8"?>
+<p:sld xmlns:a="http://schemas.openxmlformats.org/drawingml/2006/main" xmlns:r="http://schemas.openxmlformats.org/officeDocument/2006/relationships" xmlns:p="http://schemas.openxmlformats.org/presentationml/2006/main">
+  <p:cSld>
+    <p:spTree>
+      <p:nvGrpSpPr>
+        <p:cNvPr id="1" name=""/>
+        <p:cNvGrpSpPr/>
+        <p:nvPr/>
+      </p:nvGrpSpPr>
+      <p:grpSpPr>
+        <a:xfrm>
+          <a:off x="0" y="0"/>
+          <a:ext cx="0" cy="0"/>
+          <a:chOff x="0" y="0"/>
+          <a:chExt cx="0" cy="0"/>
+        </a:xfrm>
+      </p:grpSpPr>
+      <p:sp>
+        <p:nvSpPr>
+          <p:cNvPr id="7" name="正方形/長方形 6">
+            <a:extLst>
+              <a:ext uri="{FF2B5EF4-FFF2-40B4-BE49-F238E27FC236}">
+                <a16:creationId xmlns:a16="http://schemas.microsoft.com/office/drawing/2014/main" id="{47359CFA-E860-4531-A4C4-66F1B78D3A26}"/>
+              </a:ext>
+            </a:extLst>
+          </p:cNvPr>
+          <p:cNvSpPr/>
+          <p:nvPr/>
+        </p:nvSpPr>
+        <p:spPr>
+          <a:xfrm>
+            <a:off x="0" y="-3344"/>
+            <a:ext cx="12192000" cy="1420238"/>
+          </a:xfrm>
+          <a:prstGeom prst="rect">
+            <a:avLst/>
+          </a:prstGeom>
+          <a:solidFill>
+            <a:srgbClr val="DF4A23"/>
+          </a:solidFill>
+          <a:ln>
+            <a:noFill/>
+          </a:ln>
+        </p:spPr>
+        <p:style>
+          <a:lnRef idx="2">
+            <a:schemeClr val="accent1">
+              <a:shade val="50000"/>
+            </a:schemeClr>
+          </a:lnRef>
+          <a:fillRef idx="1">
+            <a:schemeClr val="accent1"/>
+          </a:fillRef>
+          <a:effectRef idx="0">
+            <a:schemeClr val="accent1"/>
+          </a:effectRef>
+          <a:fontRef idx="minor">
+            <a:schemeClr val="lt1"/>
+          </a:fontRef>
+        </p:style>
+        <p:txBody>
+          <a:bodyPr rtlCol="0" anchor="ctr"/>
+          <a:lstStyle/>
+          <a:p>
+            <a:pPr algn="ctr"/>
+            <a:r>
+              <a:rPr lang="ja-JP" altLang="en-US" sz="4000" dirty="0">
+                <a:latin typeface="メイリオ" panose="020B0604030504040204" pitchFamily="50" charset="-128"/>
+                <a:ea typeface="メイリオ" panose="020B0604030504040204" pitchFamily="50" charset="-128"/>
+              </a:rPr>
+              <a:t>研修を終えての感想</a:t>
+            </a:r>
+            <a:endParaRPr kumimoji="1" lang="ja-JP" altLang="en-US" sz="4000" dirty="0">
+              <a:latin typeface="メイリオ" panose="020B0604030504040204" pitchFamily="50" charset="-128"/>
+              <a:ea typeface="メイリオ" panose="020B0604030504040204" pitchFamily="50" charset="-128"/>
+            </a:endParaRPr>
+          </a:p>
+        </p:txBody>
+      </p:sp>
+      <p:pic>
+        <p:nvPicPr>
+          <p:cNvPr id="4" name="図 3" descr="図形&#10;&#10;自動的に生成された説明">
+            <a:extLst>
+              <a:ext uri="{FF2B5EF4-FFF2-40B4-BE49-F238E27FC236}">
+                <a16:creationId xmlns:a16="http://schemas.microsoft.com/office/drawing/2014/main" id="{123AD53D-2824-4195-97B7-717C3A5AAA5A}"/>
+              </a:ext>
+            </a:extLst>
+          </p:cNvPr>
+          <p:cNvPicPr>
+            <a:picLocks noChangeAspect="1"/>
+          </p:cNvPicPr>
+          <p:nvPr/>
+        </p:nvPicPr>
+        <p:blipFill rotWithShape="1">
+          <a:blip r:embed="rId3">
+            <a:alphaModFix amt="9000"/>
+            <a:extLst>
+              <a:ext uri="{28A0092B-C50C-407E-A947-70E740481C1C}">
+                <a14:useLocalDpi xmlns:a14="http://schemas.microsoft.com/office/drawing/2010/main" val="0"/>
+              </a:ext>
+            </a:extLst>
+          </a:blip>
+          <a:srcRect l="8209" t="19309" r="3541" b="17773"/>
+          <a:stretch/>
+        </p:blipFill>
+        <p:spPr>
+          <a:xfrm>
+            <a:off x="3065036" y="1904585"/>
+            <a:ext cx="6274577" cy="4473543"/>
+          </a:xfrm>
+          <a:prstGeom prst="rect">
+            <a:avLst/>
+          </a:prstGeom>
+        </p:spPr>
+      </p:pic>
+      <p:sp>
+        <p:nvSpPr>
+          <p:cNvPr id="2" name="テキスト ボックス 1">
+            <a:extLst>
+              <a:ext uri="{FF2B5EF4-FFF2-40B4-BE49-F238E27FC236}">
+                <a16:creationId xmlns:a16="http://schemas.microsoft.com/office/drawing/2014/main" id="{B799B176-722A-5B79-443B-CBB70A11A9DC}"/>
+              </a:ext>
+            </a:extLst>
+          </p:cNvPr>
+          <p:cNvSpPr txBox="1"/>
+          <p:nvPr/>
+        </p:nvSpPr>
+        <p:spPr>
+          <a:xfrm>
+            <a:off x="0" y="1602199"/>
+            <a:ext cx="11727711" cy="5078313"/>
+          </a:xfrm>
+          <a:prstGeom prst="rect">
+            <a:avLst/>
+          </a:prstGeom>
+          <a:noFill/>
+        </p:spPr>
+        <p:txBody>
+          <a:bodyPr wrap="square" rtlCol="0">
+            <a:spAutoFit/>
+          </a:bodyPr>
+          <a:lstStyle/>
+          <a:p>
+            <a:r>
+              <a:rPr lang="ja-JP" altLang="en-US" sz="3600" dirty="0"/>
+              <a:t>苦労した点</a:t>
+            </a:r>
+            <a:endParaRPr lang="en-US" altLang="ja-JP" sz="3600" dirty="0"/>
+          </a:p>
+          <a:p>
+            <a:r>
+              <a:rPr kumimoji="1" lang="ja-JP" altLang="en-US" sz="3600" dirty="0"/>
+              <a:t>・技術面の知識不足 </a:t>
+            </a:r>
+            <a:endParaRPr kumimoji="1" lang="en-US" altLang="ja-JP" sz="3600" dirty="0"/>
+          </a:p>
+          <a:p>
+            <a:r>
+              <a:rPr lang="ja-JP" altLang="en-US" sz="3600" dirty="0"/>
+              <a:t>　メンバーにたくさん頼った。</a:t>
+            </a:r>
+            <a:endParaRPr lang="en-US" altLang="ja-JP" sz="3600" dirty="0"/>
+          </a:p>
+          <a:p>
+            <a:r>
+              <a:rPr kumimoji="1" lang="ja-JP" altLang="en-US" sz="3600" dirty="0"/>
+              <a:t>成長できた点</a:t>
+            </a:r>
+            <a:endParaRPr kumimoji="1" lang="en-US" altLang="ja-JP" sz="3600" dirty="0"/>
+          </a:p>
+          <a:p>
+            <a:r>
+              <a:rPr lang="ja-JP" altLang="en-US" sz="3600" dirty="0"/>
+              <a:t>一か月という期間を経て、グループの関係を深めることができた。その結果、自分の意見をちゃんと発言できるようになった。グループのメンバーとしての意識をしっかりもって行動することができた。役割をもって動くことができたことで、自然と責任感を持てるようになった。</a:t>
+            </a:r>
+            <a:endParaRPr kumimoji="1" lang="ja-JP" altLang="en-US" sz="3600" dirty="0"/>
+          </a:p>
+        </p:txBody>
+      </p:sp>
+      <p:sp>
+        <p:nvSpPr>
+          <p:cNvPr id="5" name="Rectangle 2">
+            <a:extLst>
+              <a:ext uri="{FF2B5EF4-FFF2-40B4-BE49-F238E27FC236}">
+                <a16:creationId xmlns:a16="http://schemas.microsoft.com/office/drawing/2014/main" id="{874E9277-2410-C818-D4E9-87E0D9A0589A}"/>
+              </a:ext>
+            </a:extLst>
+          </p:cNvPr>
+          <p:cNvSpPr>
+            <a:spLocks noChangeArrowheads="1"/>
+          </p:cNvSpPr>
+          <p:nvPr/>
+        </p:nvSpPr>
+        <p:spPr bwMode="auto">
+          <a:xfrm>
+            <a:off x="0" y="0"/>
+            <a:ext cx="12192000" cy="457200"/>
+          </a:xfrm>
+          <a:prstGeom prst="rect">
+            <a:avLst/>
+          </a:prstGeom>
+          <a:noFill/>
+          <a:ln>
+            <a:noFill/>
+          </a:ln>
+          <a:effectLst/>
+          <a:extLst>
+            <a:ext uri="{909E8E84-426E-40DD-AFC4-6F175D3DCCD1}">
+              <a14:hiddenFill xmlns:a14="http://schemas.microsoft.com/office/drawing/2010/main">
+                <a:solidFill>
+                  <a:schemeClr val="accent1"/>
+                </a:solidFill>
+              </a14:hiddenFill>
+            </a:ext>
+            <a:ext uri="{91240B29-F687-4F45-9708-019B960494DF}">
+              <a14:hiddenLine xmlns:a14="http://schemas.microsoft.com/office/drawing/2010/main" w="9525">
+                <a:solidFill>
+                  <a:schemeClr val="tx1"/>
+                </a:solidFill>
+                <a:miter lim="800000"/>
+                <a:headEnd/>
+                <a:tailEnd/>
+              </a14:hiddenLine>
+            </a:ext>
+            <a:ext uri="{AF507438-7753-43E0-B8FC-AC1667EBCBE1}">
+              <a14:hiddenEffects xmlns:a14="http://schemas.microsoft.com/office/drawing/2010/main">
+                <a:effectLst>
+                  <a:outerShdw dist="35921" dir="2700000" algn="ctr" rotWithShape="0">
+                    <a:schemeClr val="bg2"/>
+                  </a:outerShdw>
+                </a:effectLst>
+              </a14:hiddenEffects>
+            </a:ext>
+          </a:extLst>
+        </p:spPr>
+        <p:txBody>
+          <a:bodyPr vert="horz" wrap="none" lIns="0" tIns="25392" rIns="0" bIns="25392" numCol="1" anchor="ctr" anchorCtr="0" compatLnSpc="1">
+            <a:prstTxWarp prst="textNoShape">
+              <a:avLst/>
+            </a:prstTxWarp>
+            <a:spAutoFit/>
+          </a:bodyPr>
+          <a:lstStyle/>
+          <a:p>
+            <a:pPr marL="0" marR="0" lvl="0" indent="0" algn="l" defTabSz="914400" rtl="0" eaLnBrk="0" fontAlgn="base" latinLnBrk="0" hangingPunct="0">
+              <a:lnSpc>
+                <a:spcPct val="100000"/>
+              </a:lnSpc>
+              <a:spcBef>
+                <a:spcPct val="0"/>
+              </a:spcBef>
+              <a:spcAft>
+                <a:spcPct val="0"/>
+              </a:spcAft>
+              <a:buClrTx/>
+              <a:buSzTx/>
+              <a:buFontTx/>
+              <a:buNone/>
+              <a:tabLst/>
+            </a:pPr>
+            <a:r>
+              <a:rPr kumimoji="0" lang="ja-JP" altLang="ja-JP" sz="900" b="0" i="0" u="none" strike="noStrike" cap="none" normalizeH="0" baseline="0">
+                <a:ln>
+                  <a:noFill/>
+                </a:ln>
+                <a:solidFill>
+                  <a:srgbClr val="1D1C1D"/>
+                </a:solidFill>
+                <a:effectLst/>
+                <a:latin typeface="Arial Unicode MS"/>
+                <a:ea typeface="Monaco"/>
+              </a:rPr>
+              <a:t>一か月という期間を経て、グループの関係を深めることができた。その結果、自分の意見をちゃんと発言できるようになった。グループのメンバーとしての意識をしっかりもって行動することができた。役割をもって動くことができたことで、自然と責任感を持てるようになった。</a:t>
+            </a:r>
+            <a:r>
+              <a:rPr kumimoji="0" lang="ja-JP" altLang="ja-JP" sz="800" b="0" i="0" u="none" strike="noStrike" cap="none" normalizeH="0" baseline="0">
+                <a:ln>
+                  <a:noFill/>
+                </a:ln>
+                <a:solidFill>
+                  <a:schemeClr val="tx1"/>
+                </a:solidFill>
+                <a:effectLst/>
+              </a:rPr>
+              <a:t> </a:t>
+            </a:r>
+            <a:endParaRPr kumimoji="0" lang="ja-JP" altLang="ja-JP" sz="1800" b="0" i="0" u="none" strike="noStrike" cap="none" normalizeH="0" baseline="0">
+              <a:ln>
+                <a:noFill/>
+              </a:ln>
+              <a:solidFill>
+                <a:schemeClr val="tx1"/>
+              </a:solidFill>
+              <a:effectLst/>
+              <a:latin typeface="Arial" panose="020B0604020202020204" pitchFamily="34" charset="0"/>
+            </a:endParaRPr>
+          </a:p>
+        </p:txBody>
+      </p:sp>
+    </p:spTree>
+    <p:extLst>
+      <p:ext uri="{BB962C8B-B14F-4D97-AF65-F5344CB8AC3E}">
+        <p14:creationId xmlns:p14="http://schemas.microsoft.com/office/powerpoint/2010/main" val="2435584212"/>
+      </p:ext>
+    </p:extLst>
+  </p:cSld>
+  <p:clrMapOvr>
+    <a:masterClrMapping/>
+  </p:clrMapOvr>
+</p:sld>
+</file>
+
+<file path=ppt/slides/slide14.xml><?xml version="1.0" encoding="utf-8"?>
+<p:sld xmlns:a="http://schemas.openxmlformats.org/drawingml/2006/main" xmlns:r="http://schemas.openxmlformats.org/officeDocument/2006/relationships" xmlns:p="http://schemas.openxmlformats.org/presentationml/2006/main">
+  <p:cSld>
+    <p:spTree>
+      <p:nvGrpSpPr>
+        <p:cNvPr id="1" name=""/>
+        <p:cNvGrpSpPr/>
+        <p:nvPr/>
+      </p:nvGrpSpPr>
+      <p:grpSpPr>
+        <a:xfrm>
+          <a:off x="0" y="0"/>
+          <a:ext cx="0" cy="0"/>
+          <a:chOff x="0" y="0"/>
+          <a:chExt cx="0" cy="0"/>
+        </a:xfrm>
+      </p:grpSpPr>
+      <p:sp>
+        <p:nvSpPr>
+          <p:cNvPr id="7" name="正方形/長方形 6">
+            <a:extLst>
+              <a:ext uri="{FF2B5EF4-FFF2-40B4-BE49-F238E27FC236}">
+                <a16:creationId xmlns:a16="http://schemas.microsoft.com/office/drawing/2014/main" id="{47359CFA-E860-4531-A4C4-66F1B78D3A26}"/>
+              </a:ext>
+            </a:extLst>
+          </p:cNvPr>
+          <p:cNvSpPr/>
+          <p:nvPr/>
+        </p:nvSpPr>
+        <p:spPr>
+          <a:xfrm>
+            <a:off x="0" y="-3344"/>
+            <a:ext cx="12192000" cy="1420238"/>
+          </a:xfrm>
+          <a:prstGeom prst="rect">
+            <a:avLst/>
+          </a:prstGeom>
+          <a:solidFill>
+            <a:srgbClr val="DF4A23"/>
+          </a:solidFill>
+          <a:ln>
+            <a:noFill/>
+          </a:ln>
+        </p:spPr>
+        <p:style>
+          <a:lnRef idx="2">
+            <a:schemeClr val="accent1">
+              <a:shade val="50000"/>
+            </a:schemeClr>
+          </a:lnRef>
+          <a:fillRef idx="1">
+            <a:schemeClr val="accent1"/>
+          </a:fillRef>
+          <a:effectRef idx="0">
+            <a:schemeClr val="accent1"/>
+          </a:effectRef>
+          <a:fontRef idx="minor">
+            <a:schemeClr val="lt1"/>
+          </a:fontRef>
+        </p:style>
+        <p:txBody>
+          <a:bodyPr rtlCol="0" anchor="ctr"/>
+          <a:lstStyle/>
+          <a:p>
+            <a:pPr algn="ctr"/>
+            <a:r>
+              <a:rPr lang="ja-JP" altLang="en-US" sz="4000" dirty="0">
+                <a:latin typeface="メイリオ" panose="020B0604030504040204" pitchFamily="50" charset="-128"/>
+                <a:ea typeface="メイリオ" panose="020B0604030504040204" pitchFamily="50" charset="-128"/>
+              </a:rPr>
+              <a:t>研修を終えての感想</a:t>
+            </a:r>
+            <a:endParaRPr kumimoji="1" lang="ja-JP" altLang="en-US" sz="4000" dirty="0">
+              <a:latin typeface="メイリオ" panose="020B0604030504040204" pitchFamily="50" charset="-128"/>
+              <a:ea typeface="メイリオ" panose="020B0604030504040204" pitchFamily="50" charset="-128"/>
+            </a:endParaRPr>
+          </a:p>
+        </p:txBody>
+      </p:sp>
+      <p:pic>
+        <p:nvPicPr>
+          <p:cNvPr id="4" name="図 3" descr="図形&#10;&#10;自動的に生成された説明">
+            <a:extLst>
+              <a:ext uri="{FF2B5EF4-FFF2-40B4-BE49-F238E27FC236}">
+                <a16:creationId xmlns:a16="http://schemas.microsoft.com/office/drawing/2014/main" id="{123AD53D-2824-4195-97B7-717C3A5AAA5A}"/>
+              </a:ext>
+            </a:extLst>
+          </p:cNvPr>
+          <p:cNvPicPr>
+            <a:picLocks noChangeAspect="1"/>
+          </p:cNvPicPr>
+          <p:nvPr/>
+        </p:nvPicPr>
+        <p:blipFill rotWithShape="1">
+          <a:blip r:embed="rId3">
+            <a:alphaModFix amt="9000"/>
+            <a:extLst>
+              <a:ext uri="{28A0092B-C50C-407E-A947-70E740481C1C}">
+                <a14:useLocalDpi xmlns:a14="http://schemas.microsoft.com/office/drawing/2010/main" val="0"/>
+              </a:ext>
+            </a:extLst>
+          </a:blip>
+          <a:srcRect l="8209" t="19309" r="3541" b="17773"/>
+          <a:stretch/>
+        </p:blipFill>
+        <p:spPr>
+          <a:xfrm>
+            <a:off x="3065036" y="1904585"/>
+            <a:ext cx="6274577" cy="4473543"/>
+          </a:xfrm>
+          <a:prstGeom prst="rect">
+            <a:avLst/>
+          </a:prstGeom>
+        </p:spPr>
+      </p:pic>
+      <p:sp>
+        <p:nvSpPr>
+          <p:cNvPr id="2" name="テキスト ボックス 1">
+            <a:extLst>
+              <a:ext uri="{FF2B5EF4-FFF2-40B4-BE49-F238E27FC236}">
+                <a16:creationId xmlns:a16="http://schemas.microsoft.com/office/drawing/2014/main" id="{B799B176-722A-5B79-443B-CBB70A11A9DC}"/>
+              </a:ext>
+            </a:extLst>
+          </p:cNvPr>
+          <p:cNvSpPr txBox="1"/>
+          <p:nvPr/>
+        </p:nvSpPr>
+        <p:spPr>
+          <a:xfrm>
+            <a:off x="0" y="2266092"/>
+            <a:ext cx="11727711" cy="4401205"/>
+          </a:xfrm>
+          <a:prstGeom prst="rect">
+            <a:avLst/>
+          </a:prstGeom>
+          <a:noFill/>
+        </p:spPr>
+        <p:txBody>
+          <a:bodyPr wrap="square" rtlCol="0">
+            <a:spAutoFit/>
+          </a:bodyPr>
+          <a:lstStyle/>
+          <a:p>
+            <a:r>
+              <a:rPr lang="ja-JP" altLang="en-US" sz="4000" dirty="0"/>
+              <a:t>グループ作業において、得意分野がそれぞれ違うことを実感した足並みそろえるのが大変だったがそんなバラバラのひとたちで一つのものを作り上げられ達成感が得られた。技術的にも非常に成長できた。あとは他のグループの方ともかかわることができた。</a:t>
+            </a:r>
+            <a:r>
+              <a:rPr lang="en-US" altLang="ja-JP" sz="4000" dirty="0"/>
+              <a:t>B</a:t>
+            </a:r>
+            <a:r>
+              <a:rPr lang="ja-JP" altLang="en-US" sz="4000" dirty="0"/>
+              <a:t>クラスで、この</a:t>
+            </a:r>
+            <a:r>
+              <a:rPr lang="en-US" altLang="ja-JP" sz="4000" dirty="0"/>
+              <a:t>B</a:t>
+            </a:r>
+            <a:r>
+              <a:rPr lang="ja-JP" altLang="en-US" sz="4000" dirty="0"/>
+              <a:t>３で研修を受けることができてよかった。</a:t>
+            </a:r>
+            <a:endParaRPr kumimoji="1" lang="ja-JP" altLang="en-US" sz="4000" dirty="0"/>
+          </a:p>
+        </p:txBody>
+      </p:sp>
+    </p:spTree>
+    <p:extLst>
+      <p:ext uri="{BB962C8B-B14F-4D97-AF65-F5344CB8AC3E}">
+        <p14:creationId xmlns:p14="http://schemas.microsoft.com/office/powerpoint/2010/main" val="3893502295"/>
+      </p:ext>
+    </p:extLst>
+  </p:cSld>
+  <p:clrMapOvr>
+    <a:masterClrMapping/>
+  </p:clrMapOvr>
+</p:sld>
+</file>
+
+<file path=ppt/slides/slide15.xml><?xml version="1.0" encoding="utf-8"?>
+<p:sld xmlns:a="http://schemas.openxmlformats.org/drawingml/2006/main" xmlns:r="http://schemas.openxmlformats.org/officeDocument/2006/relationships" xmlns:p="http://schemas.openxmlformats.org/presentationml/2006/main">
+  <p:cSld>
+    <p:spTree>
+      <p:nvGrpSpPr>
+        <p:cNvPr id="1" name=""/>
+        <p:cNvGrpSpPr/>
+        <p:nvPr/>
+      </p:nvGrpSpPr>
+      <p:grpSpPr>
+        <a:xfrm>
+          <a:off x="0" y="0"/>
+          <a:ext cx="0" cy="0"/>
+          <a:chOff x="0" y="0"/>
+          <a:chExt cx="0" cy="0"/>
+        </a:xfrm>
+      </p:grpSpPr>
+      <p:sp>
+        <p:nvSpPr>
+          <p:cNvPr id="7" name="正方形/長方形 6">
+            <a:extLst>
+              <a:ext uri="{FF2B5EF4-FFF2-40B4-BE49-F238E27FC236}">
+                <a16:creationId xmlns:a16="http://schemas.microsoft.com/office/drawing/2014/main" id="{47359CFA-E860-4531-A4C4-66F1B78D3A26}"/>
+              </a:ext>
+            </a:extLst>
+          </p:cNvPr>
+          <p:cNvSpPr/>
+          <p:nvPr/>
+        </p:nvSpPr>
+        <p:spPr>
+          <a:xfrm>
+            <a:off x="0" y="-3344"/>
+            <a:ext cx="12192000" cy="1420238"/>
+          </a:xfrm>
+          <a:prstGeom prst="rect">
+            <a:avLst/>
+          </a:prstGeom>
+          <a:solidFill>
+            <a:srgbClr val="DF4A23"/>
+          </a:solidFill>
+          <a:ln>
+            <a:noFill/>
+          </a:ln>
+        </p:spPr>
+        <p:style>
+          <a:lnRef idx="2">
+            <a:schemeClr val="accent1">
+              <a:shade val="50000"/>
+            </a:schemeClr>
+          </a:lnRef>
+          <a:fillRef idx="1">
+            <a:schemeClr val="accent1"/>
+          </a:fillRef>
+          <a:effectRef idx="0">
+            <a:schemeClr val="accent1"/>
+          </a:effectRef>
+          <a:fontRef idx="minor">
+            <a:schemeClr val="lt1"/>
+          </a:fontRef>
+        </p:style>
+        <p:txBody>
+          <a:bodyPr rtlCol="0" anchor="ctr"/>
+          <a:lstStyle/>
+          <a:p>
+            <a:pPr algn="ctr"/>
+            <a:r>
+              <a:rPr lang="ja-JP" altLang="en-US" sz="4000" dirty="0">
+                <a:latin typeface="メイリオ" panose="020B0604030504040204" pitchFamily="50" charset="-128"/>
+                <a:ea typeface="メイリオ" panose="020B0604030504040204" pitchFamily="50" charset="-128"/>
+              </a:rPr>
+              <a:t>研修を終えての感想</a:t>
+            </a:r>
+            <a:endParaRPr kumimoji="1" lang="ja-JP" altLang="en-US" sz="4000" dirty="0">
+              <a:latin typeface="メイリオ" panose="020B0604030504040204" pitchFamily="50" charset="-128"/>
+              <a:ea typeface="メイリオ" panose="020B0604030504040204" pitchFamily="50" charset="-128"/>
+            </a:endParaRPr>
+          </a:p>
+        </p:txBody>
+      </p:sp>
+      <p:pic>
+        <p:nvPicPr>
+          <p:cNvPr id="4" name="図 3" descr="図形&#10;&#10;自動的に生成された説明">
+            <a:extLst>
+              <a:ext uri="{FF2B5EF4-FFF2-40B4-BE49-F238E27FC236}">
+                <a16:creationId xmlns:a16="http://schemas.microsoft.com/office/drawing/2014/main" id="{123AD53D-2824-4195-97B7-717C3A5AAA5A}"/>
+              </a:ext>
+            </a:extLst>
+          </p:cNvPr>
+          <p:cNvPicPr>
+            <a:picLocks noChangeAspect="1"/>
+          </p:cNvPicPr>
+          <p:nvPr/>
+        </p:nvPicPr>
+        <p:blipFill rotWithShape="1">
+          <a:blip r:embed="rId3">
+            <a:alphaModFix amt="9000"/>
+            <a:extLst>
+              <a:ext uri="{28A0092B-C50C-407E-A947-70E740481C1C}">
+                <a14:useLocalDpi xmlns:a14="http://schemas.microsoft.com/office/drawing/2010/main" val="0"/>
+              </a:ext>
+            </a:extLst>
+          </a:blip>
+          <a:srcRect l="8209" t="19309" r="3541" b="17773"/>
+          <a:stretch/>
+        </p:blipFill>
+        <p:spPr>
+          <a:xfrm>
+            <a:off x="3065036" y="1904585"/>
+            <a:ext cx="6274577" cy="4473543"/>
+          </a:xfrm>
+          <a:prstGeom prst="rect">
+            <a:avLst/>
+          </a:prstGeom>
+        </p:spPr>
+      </p:pic>
+      <p:sp>
+        <p:nvSpPr>
+          <p:cNvPr id="2" name="テキスト ボックス 1">
+            <a:extLst>
+              <a:ext uri="{FF2B5EF4-FFF2-40B4-BE49-F238E27FC236}">
+                <a16:creationId xmlns:a16="http://schemas.microsoft.com/office/drawing/2014/main" id="{B799B176-722A-5B79-443B-CBB70A11A9DC}"/>
+              </a:ext>
+            </a:extLst>
+          </p:cNvPr>
+          <p:cNvSpPr txBox="1"/>
+          <p:nvPr/>
+        </p:nvSpPr>
+        <p:spPr>
+          <a:xfrm>
+            <a:off x="0" y="1940753"/>
+            <a:ext cx="11727711" cy="4401205"/>
+          </a:xfrm>
+          <a:prstGeom prst="rect">
+            <a:avLst/>
+          </a:prstGeom>
+          <a:noFill/>
+        </p:spPr>
+        <p:txBody>
+          <a:bodyPr wrap="square" rtlCol="0">
+            <a:spAutoFit/>
+          </a:bodyPr>
+          <a:lstStyle/>
+          <a:p>
+            <a:r>
+              <a:rPr lang="ja-JP" altLang="en-US" sz="4000" dirty="0"/>
+              <a:t>初めは本当に作れるのか不安だったが、グループでそれぞれが別の作業をしつつも足並みをそろえて一つのアプリとして完成していくのは達成感があった。</a:t>
+            </a:r>
+          </a:p>
+          <a:p>
+            <a:r>
+              <a:rPr lang="ja-JP" altLang="en-US" sz="4000" dirty="0"/>
+              <a:t>実力不足で上手く実装できなかった機能や重い作業があとに残ってしまうなどの問題もあったが、それも含めていい経験ができたと思う。</a:t>
+            </a:r>
+            <a:endParaRPr kumimoji="1" lang="ja-JP" altLang="en-US" sz="4000" dirty="0"/>
+          </a:p>
+        </p:txBody>
+      </p:sp>
+    </p:spTree>
+    <p:extLst>
+      <p:ext uri="{BB962C8B-B14F-4D97-AF65-F5344CB8AC3E}">
+        <p14:creationId xmlns:p14="http://schemas.microsoft.com/office/powerpoint/2010/main" val="3351687289"/>
+      </p:ext>
+    </p:extLst>
+  </p:cSld>
+  <p:clrMapOvr>
+    <a:masterClrMapping/>
+  </p:clrMapOvr>
+</p:sld>
+</file>
+
+<file path=ppt/slides/slide16.xml><?xml version="1.0" encoding="utf-8"?>
+<p:sld xmlns:a="http://schemas.openxmlformats.org/drawingml/2006/main" xmlns:r="http://schemas.openxmlformats.org/officeDocument/2006/relationships" xmlns:p="http://schemas.openxmlformats.org/presentationml/2006/main">
+  <p:cSld>
+    <p:spTree>
+      <p:nvGrpSpPr>
+        <p:cNvPr id="1" name=""/>
+        <p:cNvGrpSpPr/>
+        <p:nvPr/>
+      </p:nvGrpSpPr>
+      <p:grpSpPr>
+        <a:xfrm>
+          <a:off x="0" y="0"/>
+          <a:ext cx="0" cy="0"/>
+          <a:chOff x="0" y="0"/>
+          <a:chExt cx="0" cy="0"/>
+        </a:xfrm>
+      </p:grpSpPr>
+      <p:sp>
+        <p:nvSpPr>
+          <p:cNvPr id="7" name="正方形/長方形 6">
+            <a:extLst>
+              <a:ext uri="{FF2B5EF4-FFF2-40B4-BE49-F238E27FC236}">
+                <a16:creationId xmlns:a16="http://schemas.microsoft.com/office/drawing/2014/main" id="{47359CFA-E860-4531-A4C4-66F1B78D3A26}"/>
+              </a:ext>
+            </a:extLst>
+          </p:cNvPr>
+          <p:cNvSpPr/>
+          <p:nvPr/>
+        </p:nvSpPr>
+        <p:spPr>
+          <a:xfrm>
+            <a:off x="0" y="0"/>
+            <a:ext cx="12192000" cy="1420238"/>
+          </a:xfrm>
+          <a:prstGeom prst="rect">
+            <a:avLst/>
+          </a:prstGeom>
+          <a:solidFill>
+            <a:srgbClr val="DF4A23"/>
+          </a:solidFill>
+          <a:ln>
+            <a:noFill/>
+          </a:ln>
+        </p:spPr>
+        <p:style>
+          <a:lnRef idx="2">
+            <a:schemeClr val="accent1">
+              <a:shade val="50000"/>
+            </a:schemeClr>
+          </a:lnRef>
+          <a:fillRef idx="1">
+            <a:schemeClr val="accent1"/>
+          </a:fillRef>
+          <a:effectRef idx="0">
+            <a:schemeClr val="accent1"/>
+          </a:effectRef>
+          <a:fontRef idx="minor">
+            <a:schemeClr val="lt1"/>
+          </a:fontRef>
+        </p:style>
+        <p:txBody>
+          <a:bodyPr rtlCol="0" anchor="ctr"/>
+          <a:lstStyle/>
+          <a:p>
+            <a:pPr algn="ctr"/>
+            <a:r>
+              <a:rPr lang="ja-JP" altLang="en-US" sz="4000" dirty="0">
+                <a:latin typeface="メイリオ" panose="020B0604030504040204" pitchFamily="50" charset="-128"/>
+                <a:ea typeface="メイリオ" panose="020B0604030504040204" pitchFamily="50" charset="-128"/>
+              </a:rPr>
+              <a:t>謝意</a:t>
+            </a:r>
+            <a:endParaRPr kumimoji="1" lang="ja-JP" altLang="en-US" sz="4000" dirty="0">
+              <a:latin typeface="メイリオ" panose="020B0604030504040204" pitchFamily="50" charset="-128"/>
+              <a:ea typeface="メイリオ" panose="020B0604030504040204" pitchFamily="50" charset="-128"/>
+            </a:endParaRPr>
+          </a:p>
+        </p:txBody>
+      </p:sp>
+      <p:pic>
+        <p:nvPicPr>
+          <p:cNvPr id="4" name="図 3" descr="図形&#10;&#10;自動的に生成された説明">
+            <a:extLst>
+              <a:ext uri="{FF2B5EF4-FFF2-40B4-BE49-F238E27FC236}">
+                <a16:creationId xmlns:a16="http://schemas.microsoft.com/office/drawing/2014/main" id="{123AD53D-2824-4195-97B7-717C3A5AAA5A}"/>
+              </a:ext>
+            </a:extLst>
+          </p:cNvPr>
+          <p:cNvPicPr>
+            <a:picLocks noChangeAspect="1"/>
+          </p:cNvPicPr>
+          <p:nvPr/>
+        </p:nvPicPr>
+        <p:blipFill rotWithShape="1">
+          <a:blip r:embed="rId3">
+            <a:alphaModFix amt="9000"/>
+            <a:extLst>
+              <a:ext uri="{28A0092B-C50C-407E-A947-70E740481C1C}">
+                <a14:useLocalDpi xmlns:a14="http://schemas.microsoft.com/office/drawing/2010/main" val="0"/>
+              </a:ext>
+            </a:extLst>
+          </a:blip>
+          <a:srcRect l="8209" t="19309" r="3541" b="17773"/>
+          <a:stretch/>
+        </p:blipFill>
+        <p:spPr>
+          <a:xfrm>
+            <a:off x="3065036" y="1904585"/>
+            <a:ext cx="6274577" cy="4473543"/>
+          </a:xfrm>
+          <a:prstGeom prst="rect">
+            <a:avLst/>
+          </a:prstGeom>
+        </p:spPr>
+      </p:pic>
+      <p:sp>
+        <p:nvSpPr>
+          <p:cNvPr id="5" name="テキスト ボックス 4">
+            <a:extLst>
+              <a:ext uri="{FF2B5EF4-FFF2-40B4-BE49-F238E27FC236}">
+                <a16:creationId xmlns:a16="http://schemas.microsoft.com/office/drawing/2014/main" id="{311FD82D-7045-4790-BAB4-96129BA93B4E}"/>
+              </a:ext>
+            </a:extLst>
+          </p:cNvPr>
+          <p:cNvSpPr txBox="1"/>
+          <p:nvPr/>
+        </p:nvSpPr>
+        <p:spPr>
+          <a:xfrm>
+            <a:off x="1942655" y="2829458"/>
+            <a:ext cx="8519337" cy="2623795"/>
+          </a:xfrm>
+          <a:prstGeom prst="rect">
+            <a:avLst/>
+          </a:prstGeom>
+          <a:noFill/>
+        </p:spPr>
+        <p:txBody>
+          <a:bodyPr wrap="square">
+            <a:spAutoFit/>
+          </a:bodyPr>
+          <a:lstStyle/>
+          <a:p>
+            <a:pPr marL="0" indent="0" algn="ctr">
+              <a:lnSpc>
+                <a:spcPct val="150000"/>
+              </a:lnSpc>
+              <a:buNone/>
+            </a:pPr>
+            <a:r>
+              <a:rPr lang="ja-JP" altLang="en-US" sz="2800" dirty="0">
+                <a:latin typeface="メイリオ" panose="020B0604030504040204" pitchFamily="50" charset="-128"/>
+                <a:ea typeface="メイリオ" panose="020B0604030504040204" pitchFamily="50" charset="-128"/>
+              </a:rPr>
+              <a:t>研修講師の皆様、ならびに研修事務局の皆様</a:t>
+            </a:r>
+            <a:endParaRPr lang="en-US" altLang="ja-JP" sz="2800" dirty="0">
+              <a:latin typeface="メイリオ" panose="020B0604030504040204" pitchFamily="50" charset="-128"/>
+              <a:ea typeface="メイリオ" panose="020B0604030504040204" pitchFamily="50" charset="-128"/>
+            </a:endParaRPr>
+          </a:p>
+          <a:p>
+            <a:pPr marL="0" indent="0" algn="ctr">
+              <a:lnSpc>
+                <a:spcPct val="150000"/>
+              </a:lnSpc>
+              <a:buNone/>
+            </a:pPr>
+            <a:r>
+              <a:rPr kumimoji="1" lang="ja-JP" altLang="en-US" sz="2800" dirty="0">
+                <a:latin typeface="メイリオ" panose="020B0604030504040204" pitchFamily="50" charset="-128"/>
+                <a:ea typeface="メイリオ" panose="020B0604030504040204" pitchFamily="50" charset="-128"/>
+              </a:rPr>
+              <a:t>一緒に学習してくれたクラスの仲間たち</a:t>
+            </a:r>
+            <a:endParaRPr kumimoji="1" lang="en-US" altLang="ja-JP" sz="2800" dirty="0">
+              <a:latin typeface="メイリオ" panose="020B0604030504040204" pitchFamily="50" charset="-128"/>
+              <a:ea typeface="メイリオ" panose="020B0604030504040204" pitchFamily="50" charset="-128"/>
+            </a:endParaRPr>
+          </a:p>
+          <a:p>
+            <a:pPr marL="0" indent="0" algn="ctr">
+              <a:lnSpc>
+                <a:spcPct val="150000"/>
+              </a:lnSpc>
+              <a:buNone/>
+            </a:pPr>
+            <a:r>
+              <a:rPr kumimoji="1" lang="ja-JP" altLang="en-US" sz="2800" dirty="0">
+                <a:latin typeface="メイリオ" panose="020B0604030504040204" pitchFamily="50" charset="-128"/>
+                <a:ea typeface="メイリオ" panose="020B0604030504040204" pitchFamily="50" charset="-128"/>
+              </a:rPr>
+              <a:t>参加させてくださった会社の皆様</a:t>
+            </a:r>
+            <a:endParaRPr kumimoji="1" lang="en-US" altLang="ja-JP" sz="2800" dirty="0">
+              <a:latin typeface="メイリオ" panose="020B0604030504040204" pitchFamily="50" charset="-128"/>
+              <a:ea typeface="メイリオ" panose="020B0604030504040204" pitchFamily="50" charset="-128"/>
+            </a:endParaRPr>
+          </a:p>
+          <a:p>
+            <a:pPr marL="0" indent="0" algn="ctr">
+              <a:lnSpc>
+                <a:spcPct val="150000"/>
+              </a:lnSpc>
+              <a:buNone/>
+            </a:pPr>
+            <a:r>
+              <a:rPr kumimoji="1" lang="ja-JP" altLang="en-US" sz="2800" dirty="0">
+                <a:latin typeface="メイリオ" panose="020B0604030504040204" pitchFamily="50" charset="-128"/>
+                <a:ea typeface="メイリオ" panose="020B0604030504040204" pitchFamily="50" charset="-128"/>
+              </a:rPr>
+              <a:t>に御礼申し上げます。</a:t>
+            </a:r>
+            <a:endParaRPr kumimoji="1" lang="en-US" altLang="ja-JP" sz="2800" dirty="0">
+              <a:latin typeface="メイリオ" panose="020B0604030504040204" pitchFamily="50" charset="-128"/>
+              <a:ea typeface="メイリオ" panose="020B0604030504040204" pitchFamily="50" charset="-128"/>
+            </a:endParaRPr>
+          </a:p>
+        </p:txBody>
+      </p:sp>
+    </p:spTree>
+    <p:extLst>
+      <p:ext uri="{BB962C8B-B14F-4D97-AF65-F5344CB8AC3E}">
+        <p14:creationId xmlns:p14="http://schemas.microsoft.com/office/powerpoint/2010/main" val="4053538805"/>
+      </p:ext>
+    </p:extLst>
+  </p:cSld>
+  <p:clrMapOvr>
+    <a:masterClrMapping/>
+  </p:clrMapOvr>
+</p:sld>
+</file>
+
 <file path=ppt/slides/slide2.xml><?xml version="1.0" encoding="utf-8"?>
 <p:sld xmlns:a="http://schemas.openxmlformats.org/drawingml/2006/main" xmlns:r="http://schemas.openxmlformats.org/officeDocument/2006/relationships" xmlns:p="http://schemas.openxmlformats.org/presentationml/2006/main">
   <p:cSld>
@@ -5351,7 +7562,7 @@
         <p:spPr>
           <a:xfrm>
             <a:off x="3081267" y="2295726"/>
-            <a:ext cx="6322565" cy="3323987"/>
+            <a:ext cx="6753849" cy="4247317"/>
           </a:xfrm>
           <a:prstGeom prst="rect">
             <a:avLst/>
@@ -5359,65 +7570,129 @@
           <a:noFill/>
         </p:spPr>
         <p:txBody>
-          <a:bodyPr wrap="none" rtlCol="0">
+          <a:bodyPr wrap="square" rtlCol="0">
             <a:spAutoFit/>
           </a:bodyPr>
           <a:lstStyle/>
           <a:p>
-            <a:pPr marL="342900" indent="-342900">
-              <a:lnSpc>
-                <a:spcPct val="150000"/>
-              </a:lnSpc>
-              <a:buFont typeface="+mj-lt"/>
-              <a:buAutoNum type="arabicPeriod"/>
+            <a:pPr rtl="0">
+              <a:spcBef>
+                <a:spcPts val="0"/>
+              </a:spcBef>
+              <a:spcAft>
+                <a:spcPts val="0"/>
+              </a:spcAft>
             </a:pPr>
             <a:r>
-              <a:rPr kumimoji="1" lang="ja-JP" altLang="en-US" sz="4800" dirty="0">
-                <a:latin typeface="メイリオ" panose="020B0604030504040204" pitchFamily="50" charset="-128"/>
-                <a:ea typeface="メイリオ" panose="020B0604030504040204" pitchFamily="50" charset="-128"/>
+              <a:rPr lang="ja-JP" altLang="en-US" sz="5400" b="0" i="0" u="none" strike="noStrike" dirty="0">
+                <a:solidFill>
+                  <a:srgbClr val="000000"/>
+                </a:solidFill>
+                <a:effectLst/>
+                <a:latin typeface="Arial" panose="020B0604020202020204" pitchFamily="34" charset="0"/>
               </a:rPr>
-              <a:t>店情報の登録・検索</a:t>
-            </a:r>
-            <a:endParaRPr kumimoji="1" lang="en-US" altLang="ja-JP" sz="4800" dirty="0">
+              <a:t>役職メモ機能</a:t>
+            </a:r>
+            <a:endParaRPr lang="en-US" altLang="ja-JP" sz="5400" b="0" i="0" u="none" strike="noStrike" dirty="0">
+              <a:solidFill>
+                <a:srgbClr val="000000"/>
+              </a:solidFill>
+              <a:effectLst/>
+              <a:latin typeface="Arial" panose="020B0604020202020204" pitchFamily="34" charset="0"/>
+            </a:endParaRPr>
+          </a:p>
+          <a:p>
+            <a:pPr rtl="0">
+              <a:spcBef>
+                <a:spcPts val="0"/>
+              </a:spcBef>
+              <a:spcAft>
+                <a:spcPts val="0"/>
+              </a:spcAft>
+            </a:pPr>
+            <a:r>
+              <a:rPr lang="ja-JP" altLang="en-US" sz="5400" b="0" i="0" u="none" strike="noStrike" dirty="0">
+                <a:solidFill>
+                  <a:srgbClr val="000000"/>
+                </a:solidFill>
+                <a:effectLst/>
+                <a:latin typeface="Arial" panose="020B0604020202020204" pitchFamily="34" charset="0"/>
+              </a:rPr>
+              <a:t>管理者機能</a:t>
+            </a:r>
+            <a:endParaRPr lang="ja-JP" altLang="en-US" sz="13800" b="0" dirty="0">
+              <a:effectLst/>
+            </a:endParaRPr>
+          </a:p>
+          <a:p>
+            <a:pPr rtl="0">
+              <a:spcBef>
+                <a:spcPts val="0"/>
+              </a:spcBef>
+              <a:spcAft>
+                <a:spcPts val="0"/>
+              </a:spcAft>
+            </a:pPr>
+            <a:r>
+              <a:rPr lang="ja-JP" altLang="en-US" sz="5400" b="0" i="0" u="none" strike="noStrike" dirty="0">
+                <a:solidFill>
+                  <a:srgbClr val="000000"/>
+                </a:solidFill>
+                <a:effectLst/>
+                <a:latin typeface="Arial" panose="020B0604020202020204" pitchFamily="34" charset="0"/>
+              </a:rPr>
+              <a:t>テンプレート機能</a:t>
+            </a:r>
+            <a:endParaRPr lang="ja-JP" altLang="en-US" sz="13800" b="0" dirty="0">
+              <a:effectLst/>
+            </a:endParaRPr>
+          </a:p>
+          <a:p>
+            <a:pPr rtl="0">
+              <a:spcBef>
+                <a:spcPts val="0"/>
+              </a:spcBef>
+              <a:spcAft>
+                <a:spcPts val="0"/>
+              </a:spcAft>
+            </a:pPr>
+            <a:r>
+              <a:rPr lang="ja-JP" altLang="en-US" sz="5400" b="0" i="0" u="none" strike="noStrike" dirty="0">
+                <a:solidFill>
+                  <a:srgbClr val="000000"/>
+                </a:solidFill>
+                <a:effectLst/>
+                <a:latin typeface="Arial" panose="020B0604020202020204" pitchFamily="34" charset="0"/>
+              </a:rPr>
+              <a:t>検索機能</a:t>
+            </a:r>
+            <a:endParaRPr lang="ja-JP" altLang="en-US" sz="13800" b="0" dirty="0">
+              <a:effectLst/>
+            </a:endParaRPr>
+          </a:p>
+          <a:p>
+            <a:pPr rtl="0">
+              <a:spcBef>
+                <a:spcPts val="0"/>
+              </a:spcBef>
+              <a:spcAft>
+                <a:spcPts val="0"/>
+              </a:spcAft>
+            </a:pPr>
+            <a:r>
+              <a:rPr lang="ja-JP" altLang="en-US" sz="5400" b="0" i="0" u="none" strike="noStrike" dirty="0">
+                <a:solidFill>
+                  <a:srgbClr val="000000"/>
+                </a:solidFill>
+                <a:effectLst/>
+                <a:latin typeface="Arial" panose="020B0604020202020204" pitchFamily="34" charset="0"/>
+              </a:rPr>
+              <a:t>登録機能</a:t>
+            </a:r>
+            <a:endParaRPr kumimoji="1" lang="ja-JP" altLang="en-US" sz="13800" dirty="0">
               <a:latin typeface="メイリオ" panose="020B0604030504040204" pitchFamily="50" charset="-128"/>
               <a:ea typeface="メイリオ" panose="020B0604030504040204" pitchFamily="50" charset="-128"/>
             </a:endParaRPr>
-          </a:p>
-          <a:p>
-            <a:pPr marL="342900" indent="-342900">
-              <a:lnSpc>
-                <a:spcPct val="150000"/>
-              </a:lnSpc>
-              <a:buFont typeface="+mj-lt"/>
-              <a:buAutoNum type="arabicPeriod"/>
-            </a:pPr>
-            <a:r>
-              <a:rPr lang="ja-JP" altLang="en-US" sz="4800" dirty="0">
-                <a:latin typeface="メイリオ" panose="020B0604030504040204" pitchFamily="50" charset="-128"/>
-                <a:ea typeface="メイリオ" panose="020B0604030504040204" pitchFamily="50" charset="-128"/>
-              </a:rPr>
-              <a:t>メモ</a:t>
-            </a:r>
-            <a:endParaRPr lang="en-US" altLang="ja-JP" sz="4800" dirty="0">
-              <a:latin typeface="メイリオ" panose="020B0604030504040204" pitchFamily="50" charset="-128"/>
-              <a:ea typeface="メイリオ" panose="020B0604030504040204" pitchFamily="50" charset="-128"/>
-            </a:endParaRPr>
-          </a:p>
-          <a:p>
-            <a:pPr marL="342900" indent="-342900">
-              <a:lnSpc>
-                <a:spcPct val="150000"/>
-              </a:lnSpc>
-              <a:buFont typeface="+mj-lt"/>
-              <a:buAutoNum type="arabicPeriod"/>
-            </a:pPr>
-            <a:r>
-              <a:rPr kumimoji="1" lang="ja-JP" altLang="en-US" sz="4800" dirty="0">
-                <a:latin typeface="メイリオ" panose="020B0604030504040204" pitchFamily="50" charset="-128"/>
-                <a:ea typeface="メイリオ" panose="020B0604030504040204" pitchFamily="50" charset="-128"/>
-              </a:rPr>
-              <a:t>テンプレート</a:t>
-            </a:r>
           </a:p>
         </p:txBody>
       </p:sp>
@@ -5543,11 +7818,18 @@
               </a:lnSpc>
             </a:pPr>
             <a:r>
+              <a:rPr lang="ja-JP" altLang="en-US" sz="4800" dirty="0">
+                <a:latin typeface="メイリオ" panose="020B0604030504040204" pitchFamily="50" charset="-128"/>
+                <a:ea typeface="メイリオ" panose="020B0604030504040204" pitchFamily="50" charset="-128"/>
+              </a:rPr>
+              <a:t>１</a:t>
+            </a:r>
+            <a:r>
               <a:rPr kumimoji="1" lang="ja-JP" altLang="en-US" sz="4800" dirty="0">
                 <a:latin typeface="メイリオ" panose="020B0604030504040204" pitchFamily="50" charset="-128"/>
                 <a:ea typeface="メイリオ" panose="020B0604030504040204" pitchFamily="50" charset="-128"/>
               </a:rPr>
-              <a:t>２．役職メモ機能</a:t>
+              <a:t>．役職メモ機能</a:t>
             </a:r>
             <a:endParaRPr kumimoji="1" lang="en-US" altLang="ja-JP" sz="4800" dirty="0">
               <a:latin typeface="メイリオ" panose="020B0604030504040204" pitchFamily="50" charset="-128"/>
@@ -5619,253 +7901,6 @@
 </file>
 
 <file path=ppt/slides/slide7.xml><?xml version="1.0" encoding="utf-8"?>
-<p:sld xmlns:a="http://schemas.openxmlformats.org/drawingml/2006/main" xmlns:r="http://schemas.openxmlformats.org/officeDocument/2006/relationships" xmlns:p="http://schemas.openxmlformats.org/presentationml/2006/main">
-  <p:cSld>
-    <p:spTree>
-      <p:nvGrpSpPr>
-        <p:cNvPr id="1" name=""/>
-        <p:cNvGrpSpPr/>
-        <p:nvPr/>
-      </p:nvGrpSpPr>
-      <p:grpSpPr>
-        <a:xfrm>
-          <a:off x="0" y="0"/>
-          <a:ext cx="0" cy="0"/>
-          <a:chOff x="0" y="0"/>
-          <a:chExt cx="0" cy="0"/>
-        </a:xfrm>
-      </p:grpSpPr>
-      <p:sp>
-        <p:nvSpPr>
-          <p:cNvPr id="7" name="正方形/長方形 6">
-            <a:extLst>
-              <a:ext uri="{FF2B5EF4-FFF2-40B4-BE49-F238E27FC236}">
-                <a16:creationId xmlns:a16="http://schemas.microsoft.com/office/drawing/2014/main" id="{47359CFA-E860-4531-A4C4-66F1B78D3A26}"/>
-              </a:ext>
-            </a:extLst>
-          </p:cNvPr>
-          <p:cNvSpPr/>
-          <p:nvPr/>
-        </p:nvSpPr>
-        <p:spPr>
-          <a:xfrm>
-            <a:off x="0" y="-3344"/>
-            <a:ext cx="12192000" cy="1420238"/>
-          </a:xfrm>
-          <a:prstGeom prst="rect">
-            <a:avLst/>
-          </a:prstGeom>
-          <a:solidFill>
-            <a:srgbClr val="DF4A23"/>
-          </a:solidFill>
-          <a:ln>
-            <a:noFill/>
-          </a:ln>
-        </p:spPr>
-        <p:style>
-          <a:lnRef idx="2">
-            <a:schemeClr val="accent1">
-              <a:shade val="50000"/>
-            </a:schemeClr>
-          </a:lnRef>
-          <a:fillRef idx="1">
-            <a:schemeClr val="accent1"/>
-          </a:fillRef>
-          <a:effectRef idx="0">
-            <a:schemeClr val="accent1"/>
-          </a:effectRef>
-          <a:fontRef idx="minor">
-            <a:schemeClr val="lt1"/>
-          </a:fontRef>
-        </p:style>
-        <p:txBody>
-          <a:bodyPr rtlCol="0" anchor="ctr"/>
-          <a:lstStyle/>
-          <a:p>
-            <a:pPr algn="ctr"/>
-            <a:r>
-              <a:rPr lang="ja-JP" altLang="en-US" sz="4000" dirty="0">
-                <a:latin typeface="メイリオ" panose="020B0604030504040204" pitchFamily="50" charset="-128"/>
-                <a:ea typeface="メイリオ" panose="020B0604030504040204" pitchFamily="50" charset="-128"/>
-              </a:rPr>
-              <a:t>研修を終えての感想</a:t>
-            </a:r>
-            <a:endParaRPr kumimoji="1" lang="ja-JP" altLang="en-US" sz="4000" dirty="0">
-              <a:latin typeface="メイリオ" panose="020B0604030504040204" pitchFamily="50" charset="-128"/>
-              <a:ea typeface="メイリオ" panose="020B0604030504040204" pitchFamily="50" charset="-128"/>
-            </a:endParaRPr>
-          </a:p>
-        </p:txBody>
-      </p:sp>
-      <p:pic>
-        <p:nvPicPr>
-          <p:cNvPr id="4" name="図 3" descr="図形&#10;&#10;自動的に生成された説明">
-            <a:extLst>
-              <a:ext uri="{FF2B5EF4-FFF2-40B4-BE49-F238E27FC236}">
-                <a16:creationId xmlns:a16="http://schemas.microsoft.com/office/drawing/2014/main" id="{123AD53D-2824-4195-97B7-717C3A5AAA5A}"/>
-              </a:ext>
-            </a:extLst>
-          </p:cNvPr>
-          <p:cNvPicPr>
-            <a:picLocks noChangeAspect="1"/>
-          </p:cNvPicPr>
-          <p:nvPr/>
-        </p:nvPicPr>
-        <p:blipFill rotWithShape="1">
-          <a:blip r:embed="rId3">
-            <a:alphaModFix amt="9000"/>
-            <a:extLst>
-              <a:ext uri="{28A0092B-C50C-407E-A947-70E740481C1C}">
-                <a14:useLocalDpi xmlns:a14="http://schemas.microsoft.com/office/drawing/2010/main" val="0"/>
-              </a:ext>
-            </a:extLst>
-          </a:blip>
-          <a:srcRect l="8209" t="19309" r="3541" b="17773"/>
-          <a:stretch/>
-        </p:blipFill>
-        <p:spPr>
-          <a:xfrm>
-            <a:off x="3065036" y="1904585"/>
-            <a:ext cx="6274577" cy="4473543"/>
-          </a:xfrm>
-          <a:prstGeom prst="rect">
-            <a:avLst/>
-          </a:prstGeom>
-        </p:spPr>
-      </p:pic>
-      <p:sp>
-        <p:nvSpPr>
-          <p:cNvPr id="2" name="テキスト ボックス 1">
-            <a:extLst>
-              <a:ext uri="{FF2B5EF4-FFF2-40B4-BE49-F238E27FC236}">
-                <a16:creationId xmlns:a16="http://schemas.microsoft.com/office/drawing/2014/main" id="{B799B176-722A-5B79-443B-CBB70A11A9DC}"/>
-              </a:ext>
-            </a:extLst>
-          </p:cNvPr>
-          <p:cNvSpPr txBox="1"/>
-          <p:nvPr/>
-        </p:nvSpPr>
-        <p:spPr>
-          <a:xfrm>
-            <a:off x="297712" y="1904585"/>
-            <a:ext cx="11727711" cy="3970318"/>
-          </a:xfrm>
-          <a:prstGeom prst="rect">
-            <a:avLst/>
-          </a:prstGeom>
-          <a:noFill/>
-        </p:spPr>
-        <p:txBody>
-          <a:bodyPr wrap="square" rtlCol="0">
-            <a:spAutoFit/>
-          </a:bodyPr>
-          <a:lstStyle/>
-          <a:p>
-            <a:r>
-              <a:rPr kumimoji="1" lang="ja-JP" altLang="en-US" dirty="0"/>
-              <a:t>苦労した点</a:t>
-            </a:r>
-            <a:endParaRPr kumimoji="1" lang="en-US" altLang="ja-JP" dirty="0"/>
-          </a:p>
-          <a:p>
-            <a:r>
-              <a:rPr lang="ja-JP" altLang="en-US" dirty="0"/>
-              <a:t>・名刺管理アプリの時とは違い、元がない状態で０から自力で作るのが大変だった。</a:t>
-            </a:r>
-            <a:endParaRPr lang="en-US" altLang="ja-JP" dirty="0"/>
-          </a:p>
-          <a:p>
-            <a:r>
-              <a:rPr kumimoji="1" lang="ja-JP" altLang="en-US" dirty="0"/>
-              <a:t>成長できた点</a:t>
-            </a:r>
-            <a:endParaRPr kumimoji="1" lang="en-US" altLang="ja-JP" dirty="0"/>
-          </a:p>
-          <a:p>
-            <a:r>
-              <a:rPr lang="ja-JP" altLang="en-US" dirty="0"/>
-              <a:t>・グループで開発をするという経験が今まであまりなかったため、今回の研修でグループで開発するうえでのスケジュール管理の大変さや</a:t>
-            </a:r>
-            <a:endParaRPr lang="en-US" altLang="ja-JP" dirty="0"/>
-          </a:p>
-          <a:p>
-            <a:r>
-              <a:rPr kumimoji="1" lang="ja-JP" altLang="en-US" dirty="0"/>
-              <a:t>それぞれの認識をすり合わせるのも大変だったし、スケジュール管理も大変だった。</a:t>
-            </a:r>
-            <a:endParaRPr kumimoji="1" lang="en-US" altLang="ja-JP" dirty="0"/>
-          </a:p>
-          <a:p>
-            <a:endParaRPr lang="en-US" altLang="ja-JP" dirty="0"/>
-          </a:p>
-          <a:p>
-            <a:r>
-              <a:rPr lang="ja-JP" altLang="en-US" dirty="0"/>
-              <a:t>苦労した点</a:t>
-            </a:r>
-            <a:endParaRPr lang="en-US" altLang="ja-JP" dirty="0"/>
-          </a:p>
-          <a:p>
-            <a:r>
-              <a:rPr kumimoji="1" lang="ja-JP" altLang="en-US" dirty="0"/>
-              <a:t>・技術面の知識不足 </a:t>
-            </a:r>
-            <a:endParaRPr kumimoji="1" lang="en-US" altLang="ja-JP" dirty="0"/>
-          </a:p>
-          <a:p>
-            <a:r>
-              <a:rPr lang="ja-JP" altLang="en-US" dirty="0"/>
-              <a:t>　メンバーにたくさん頼った。</a:t>
-            </a:r>
-            <a:endParaRPr lang="en-US" altLang="ja-JP" dirty="0"/>
-          </a:p>
-          <a:p>
-            <a:r>
-              <a:rPr kumimoji="1" lang="ja-JP" altLang="en-US" dirty="0"/>
-              <a:t>成長できた点</a:t>
-            </a:r>
-            <a:endParaRPr kumimoji="1" lang="en-US" altLang="ja-JP" dirty="0"/>
-          </a:p>
-          <a:p>
-            <a:r>
-              <a:rPr lang="ja-JP" altLang="en-US" dirty="0"/>
-              <a:t>・技術力とコミュニケーション能力の向上</a:t>
-            </a:r>
-            <a:endParaRPr lang="en-US" altLang="ja-JP" dirty="0"/>
-          </a:p>
-          <a:p>
-            <a:r>
-              <a:rPr kumimoji="1" lang="ja-JP" altLang="en-US" dirty="0"/>
-              <a:t>　</a:t>
-            </a:r>
-            <a:r>
-              <a:rPr lang="ja-JP" altLang="en-US" dirty="0"/>
-              <a:t>わからない点をきちんと</a:t>
-            </a:r>
-            <a:r>
-              <a:rPr kumimoji="1" lang="ja-JP" altLang="en-US" dirty="0"/>
-              <a:t>説明できるようになった。前の自分よりプログラムが書けるようになった。</a:t>
-            </a:r>
-          </a:p>
-          <a:p>
-            <a:endParaRPr kumimoji="1" lang="ja-JP" altLang="en-US" dirty="0"/>
-          </a:p>
-        </p:txBody>
-      </p:sp>
-    </p:spTree>
-    <p:extLst>
-      <p:ext uri="{BB962C8B-B14F-4D97-AF65-F5344CB8AC3E}">
-        <p14:creationId xmlns:p14="http://schemas.microsoft.com/office/powerpoint/2010/main" val="552208619"/>
-      </p:ext>
-    </p:extLst>
-  </p:cSld>
-  <p:clrMapOvr>
-    <a:masterClrMapping/>
-  </p:clrMapOvr>
-</p:sld>
-</file>
-
-<file path=ppt/slides/slide8.xml><?xml version="1.0" encoding="utf-8"?>
 <p:sld xmlns:a="http://schemas.openxmlformats.org/drawingml/2006/main" xmlns:r="http://schemas.openxmlformats.org/officeDocument/2006/relationships" xmlns:p="http://schemas.openxmlformats.org/presentationml/2006/main">
   <p:cSld>
     <p:spTree>
@@ -5931,71 +7966,31 @@
           <a:p>
             <a:pPr algn="ctr"/>
             <a:r>
-              <a:rPr lang="ja-JP" altLang="en-US" sz="4000" dirty="0">
+              <a:rPr kumimoji="1" lang="ja-JP" altLang="en-US" sz="4000" dirty="0">
                 <a:latin typeface="メイリオ" panose="020B0604030504040204" pitchFamily="50" charset="-128"/>
                 <a:ea typeface="メイリオ" panose="020B0604030504040204" pitchFamily="50" charset="-128"/>
               </a:rPr>
-              <a:t>謝意</a:t>
-            </a:r>
-            <a:endParaRPr kumimoji="1" lang="ja-JP" altLang="en-US" sz="4000" dirty="0">
-              <a:latin typeface="メイリオ" panose="020B0604030504040204" pitchFamily="50" charset="-128"/>
-              <a:ea typeface="メイリオ" panose="020B0604030504040204" pitchFamily="50" charset="-128"/>
-            </a:endParaRPr>
-          </a:p>
-        </p:txBody>
-      </p:sp>
-      <p:pic>
-        <p:nvPicPr>
-          <p:cNvPr id="4" name="図 3" descr="図形&#10;&#10;自動的に生成された説明">
-            <a:extLst>
-              <a:ext uri="{FF2B5EF4-FFF2-40B4-BE49-F238E27FC236}">
-                <a16:creationId xmlns:a16="http://schemas.microsoft.com/office/drawing/2014/main" id="{123AD53D-2824-4195-97B7-717C3A5AAA5A}"/>
-              </a:ext>
-            </a:extLst>
-          </p:cNvPr>
-          <p:cNvPicPr>
-            <a:picLocks noChangeAspect="1"/>
-          </p:cNvPicPr>
+              <a:t>機能紹介</a:t>
+            </a:r>
+          </a:p>
+        </p:txBody>
+      </p:sp>
+      <p:sp>
+        <p:nvSpPr>
+          <p:cNvPr id="2" name="テキスト ボックス 1">
+            <a:extLst>
+              <a:ext uri="{FF2B5EF4-FFF2-40B4-BE49-F238E27FC236}">
+                <a16:creationId xmlns:a16="http://schemas.microsoft.com/office/drawing/2014/main" id="{6FDB7845-30C1-4B2A-BF71-AEE476A1F50B}"/>
+              </a:ext>
+            </a:extLst>
+          </p:cNvPr>
+          <p:cNvSpPr txBox="1"/>
           <p:nvPr/>
-        </p:nvPicPr>
-        <p:blipFill rotWithShape="1">
-          <a:blip r:embed="rId3">
-            <a:alphaModFix amt="9000"/>
-            <a:extLst>
-              <a:ext uri="{28A0092B-C50C-407E-A947-70E740481C1C}">
-                <a14:useLocalDpi xmlns:a14="http://schemas.microsoft.com/office/drawing/2010/main" val="0"/>
-              </a:ext>
-            </a:extLst>
-          </a:blip>
-          <a:srcRect l="8209" t="19309" r="3541" b="17773"/>
-          <a:stretch/>
-        </p:blipFill>
+        </p:nvSpPr>
         <p:spPr>
           <a:xfrm>
-            <a:off x="3065036" y="1904585"/>
-            <a:ext cx="6274577" cy="4473543"/>
-          </a:xfrm>
-          <a:prstGeom prst="rect">
-            <a:avLst/>
-          </a:prstGeom>
-        </p:spPr>
-      </p:pic>
-      <p:sp>
-        <p:nvSpPr>
-          <p:cNvPr id="5" name="テキスト ボックス 4">
-            <a:extLst>
-              <a:ext uri="{FF2B5EF4-FFF2-40B4-BE49-F238E27FC236}">
-                <a16:creationId xmlns:a16="http://schemas.microsoft.com/office/drawing/2014/main" id="{311FD82D-7045-4790-BAB4-96129BA93B4E}"/>
-              </a:ext>
-            </a:extLst>
-          </p:cNvPr>
-          <p:cNvSpPr txBox="1"/>
-          <p:nvPr/>
-        </p:nvSpPr>
-        <p:spPr>
-          <a:xfrm>
-            <a:off x="1942655" y="2829458"/>
-            <a:ext cx="8519337" cy="2623795"/>
+            <a:off x="191418" y="1571108"/>
+            <a:ext cx="4493538" cy="2215991"/>
           </a:xfrm>
           <a:prstGeom prst="rect">
             <a:avLst/>
@@ -6003,92 +7998,526 @@
           <a:noFill/>
         </p:spPr>
         <p:txBody>
-          <a:bodyPr wrap="square">
+          <a:bodyPr wrap="none" rtlCol="0">
             <a:spAutoFit/>
           </a:bodyPr>
           <a:lstStyle/>
           <a:p>
-            <a:pPr marL="0" indent="0" algn="ctr">
+            <a:pPr>
               <a:lnSpc>
                 <a:spcPct val="150000"/>
               </a:lnSpc>
-              <a:buNone/>
             </a:pPr>
             <a:r>
-              <a:rPr lang="ja-JP" altLang="en-US" sz="2800" dirty="0">
+              <a:rPr kumimoji="1" lang="ja-JP" altLang="en-US" sz="4800" dirty="0">
                 <a:latin typeface="メイリオ" panose="020B0604030504040204" pitchFamily="50" charset="-128"/>
                 <a:ea typeface="メイリオ" panose="020B0604030504040204" pitchFamily="50" charset="-128"/>
               </a:rPr>
-              <a:t>研修講師の皆様、ならびに研修事務局の皆様</a:t>
-            </a:r>
-            <a:endParaRPr lang="en-US" altLang="ja-JP" sz="2800" dirty="0">
+              <a:t>２．</a:t>
+            </a:r>
+            <a:r>
+              <a:rPr lang="ja-JP" altLang="en-US" sz="4800" b="0" i="0" u="none" strike="noStrike" dirty="0">
+                <a:solidFill>
+                  <a:srgbClr val="000000"/>
+                </a:solidFill>
+                <a:effectLst/>
+                <a:latin typeface="Arial" panose="020B0604020202020204" pitchFamily="34" charset="0"/>
+              </a:rPr>
+              <a:t>管理者機能</a:t>
+            </a:r>
+            <a:endParaRPr lang="ja-JP" altLang="en-US" sz="12300" b="0" dirty="0">
+              <a:effectLst/>
+            </a:endParaRPr>
+          </a:p>
+          <a:p>
+            <a:pPr>
+              <a:lnSpc>
+                <a:spcPct val="150000"/>
+              </a:lnSpc>
+            </a:pPr>
+            <a:endParaRPr kumimoji="1" lang="en-US" altLang="ja-JP" sz="4800" dirty="0">
               <a:latin typeface="メイリオ" panose="020B0604030504040204" pitchFamily="50" charset="-128"/>
               <a:ea typeface="メイリオ" panose="020B0604030504040204" pitchFamily="50" charset="-128"/>
             </a:endParaRPr>
           </a:p>
-          <a:p>
-            <a:pPr marL="0" indent="0" algn="ctr">
+        </p:txBody>
+      </p:sp>
+      <p:sp>
+        <p:nvSpPr>
+          <p:cNvPr id="3" name="テキスト ボックス 2">
+            <a:extLst>
+              <a:ext uri="{FF2B5EF4-FFF2-40B4-BE49-F238E27FC236}">
+                <a16:creationId xmlns:a16="http://schemas.microsoft.com/office/drawing/2014/main" id="{47C4D8FB-CF32-741B-0E73-18EF38EC6247}"/>
+              </a:ext>
+            </a:extLst>
+          </p:cNvPr>
+          <p:cNvSpPr txBox="1"/>
+          <p:nvPr/>
+        </p:nvSpPr>
+        <p:spPr>
+          <a:xfrm>
+            <a:off x="297188" y="2829974"/>
+            <a:ext cx="11141438" cy="1815882"/>
+          </a:xfrm>
+          <a:prstGeom prst="rect">
+            <a:avLst/>
+          </a:prstGeom>
+          <a:noFill/>
+        </p:spPr>
+        <p:txBody>
+          <a:bodyPr wrap="square" rtlCol="0">
+            <a:spAutoFit/>
+          </a:bodyPr>
+          <a:lstStyle/>
+          <a:p>
+            <a:r>
+              <a:rPr kumimoji="1" lang="ja-JP" altLang="en-US" sz="4000" dirty="0"/>
+              <a:t>・お店情報の確認ができる</a:t>
+            </a:r>
+            <a:endParaRPr kumimoji="1" lang="en-US" altLang="ja-JP" sz="3600" dirty="0"/>
+          </a:p>
+          <a:p>
+            <a:endParaRPr lang="en-US" altLang="ja-JP" sz="3600" dirty="0"/>
+          </a:p>
+          <a:p>
+            <a:r>
+              <a:rPr kumimoji="1" lang="ja-JP" altLang="en-US" sz="3600" dirty="0"/>
+              <a:t>・</a:t>
+            </a:r>
+            <a:r>
+              <a:rPr lang="ja-JP" altLang="en-US" sz="3600" dirty="0"/>
+              <a:t>管理者からのおしらせを作成できる</a:t>
+            </a:r>
+            <a:endParaRPr kumimoji="1" lang="ja-JP" altLang="en-US" sz="3600" dirty="0"/>
+          </a:p>
+        </p:txBody>
+      </p:sp>
+    </p:spTree>
+    <p:extLst>
+      <p:ext uri="{BB962C8B-B14F-4D97-AF65-F5344CB8AC3E}">
+        <p14:creationId xmlns:p14="http://schemas.microsoft.com/office/powerpoint/2010/main" val="2780321712"/>
+      </p:ext>
+    </p:extLst>
+  </p:cSld>
+  <p:clrMapOvr>
+    <a:masterClrMapping/>
+  </p:clrMapOvr>
+</p:sld>
+</file>
+
+<file path=ppt/slides/slide8.xml><?xml version="1.0" encoding="utf-8"?>
+<p:sld xmlns:a="http://schemas.openxmlformats.org/drawingml/2006/main" xmlns:r="http://schemas.openxmlformats.org/officeDocument/2006/relationships" xmlns:p="http://schemas.openxmlformats.org/presentationml/2006/main">
+  <p:cSld>
+    <p:spTree>
+      <p:nvGrpSpPr>
+        <p:cNvPr id="1" name=""/>
+        <p:cNvGrpSpPr/>
+        <p:nvPr/>
+      </p:nvGrpSpPr>
+      <p:grpSpPr>
+        <a:xfrm>
+          <a:off x="0" y="0"/>
+          <a:ext cx="0" cy="0"/>
+          <a:chOff x="0" y="0"/>
+          <a:chExt cx="0" cy="0"/>
+        </a:xfrm>
+      </p:grpSpPr>
+      <p:sp>
+        <p:nvSpPr>
+          <p:cNvPr id="7" name="正方形/長方形 6">
+            <a:extLst>
+              <a:ext uri="{FF2B5EF4-FFF2-40B4-BE49-F238E27FC236}">
+                <a16:creationId xmlns:a16="http://schemas.microsoft.com/office/drawing/2014/main" id="{47359CFA-E860-4531-A4C4-66F1B78D3A26}"/>
+              </a:ext>
+            </a:extLst>
+          </p:cNvPr>
+          <p:cNvSpPr/>
+          <p:nvPr/>
+        </p:nvSpPr>
+        <p:spPr>
+          <a:xfrm>
+            <a:off x="0" y="0"/>
+            <a:ext cx="12192000" cy="1420238"/>
+          </a:xfrm>
+          <a:prstGeom prst="rect">
+            <a:avLst/>
+          </a:prstGeom>
+          <a:solidFill>
+            <a:srgbClr val="DF4A23"/>
+          </a:solidFill>
+          <a:ln>
+            <a:noFill/>
+          </a:ln>
+        </p:spPr>
+        <p:style>
+          <a:lnRef idx="2">
+            <a:schemeClr val="accent1">
+              <a:shade val="50000"/>
+            </a:schemeClr>
+          </a:lnRef>
+          <a:fillRef idx="1">
+            <a:schemeClr val="accent1"/>
+          </a:fillRef>
+          <a:effectRef idx="0">
+            <a:schemeClr val="accent1"/>
+          </a:effectRef>
+          <a:fontRef idx="minor">
+            <a:schemeClr val="lt1"/>
+          </a:fontRef>
+        </p:style>
+        <p:txBody>
+          <a:bodyPr rtlCol="0" anchor="ctr"/>
+          <a:lstStyle/>
+          <a:p>
+            <a:pPr algn="ctr"/>
+            <a:r>
+              <a:rPr kumimoji="1" lang="ja-JP" altLang="en-US" sz="4000" dirty="0">
+                <a:latin typeface="メイリオ" panose="020B0604030504040204" pitchFamily="50" charset="-128"/>
+                <a:ea typeface="メイリオ" panose="020B0604030504040204" pitchFamily="50" charset="-128"/>
+              </a:rPr>
+              <a:t>機能紹介</a:t>
+            </a:r>
+          </a:p>
+        </p:txBody>
+      </p:sp>
+      <p:sp>
+        <p:nvSpPr>
+          <p:cNvPr id="2" name="テキスト ボックス 1">
+            <a:extLst>
+              <a:ext uri="{FF2B5EF4-FFF2-40B4-BE49-F238E27FC236}">
+                <a16:creationId xmlns:a16="http://schemas.microsoft.com/office/drawing/2014/main" id="{6FDB7845-30C1-4B2A-BF71-AEE476A1F50B}"/>
+              </a:ext>
+            </a:extLst>
+          </p:cNvPr>
+          <p:cNvSpPr txBox="1"/>
+          <p:nvPr/>
+        </p:nvSpPr>
+        <p:spPr>
+          <a:xfrm>
+            <a:off x="191418" y="1571108"/>
+            <a:ext cx="6340197" cy="2215991"/>
+          </a:xfrm>
+          <a:prstGeom prst="rect">
+            <a:avLst/>
+          </a:prstGeom>
+          <a:noFill/>
+        </p:spPr>
+        <p:txBody>
+          <a:bodyPr wrap="none" rtlCol="0">
+            <a:spAutoFit/>
+          </a:bodyPr>
+          <a:lstStyle/>
+          <a:p>
+            <a:pPr>
               <a:lnSpc>
                 <a:spcPct val="150000"/>
               </a:lnSpc>
-              <a:buNone/>
             </a:pPr>
             <a:r>
-              <a:rPr kumimoji="1" lang="ja-JP" altLang="en-US" sz="2800" dirty="0">
+              <a:rPr kumimoji="1" lang="ja-JP" altLang="en-US" sz="4800" dirty="0">
                 <a:latin typeface="メイリオ" panose="020B0604030504040204" pitchFamily="50" charset="-128"/>
                 <a:ea typeface="メイリオ" panose="020B0604030504040204" pitchFamily="50" charset="-128"/>
               </a:rPr>
-              <a:t>一緒に学習してくれたクラスの仲間たち</a:t>
-            </a:r>
-            <a:endParaRPr kumimoji="1" lang="en-US" altLang="ja-JP" sz="2800" dirty="0">
+              <a:t>３．</a:t>
+            </a:r>
+            <a:r>
+              <a:rPr lang="ja-JP" altLang="en-US" sz="4800" b="0" i="0" u="none" strike="noStrike" dirty="0">
+                <a:solidFill>
+                  <a:srgbClr val="000000"/>
+                </a:solidFill>
+                <a:effectLst/>
+                <a:latin typeface="Arial" panose="020B0604020202020204" pitchFamily="34" charset="0"/>
+              </a:rPr>
+              <a:t>テンプレート機能</a:t>
+            </a:r>
+            <a:endParaRPr lang="ja-JP" altLang="en-US" sz="12300" b="0" dirty="0">
+              <a:effectLst/>
+            </a:endParaRPr>
+          </a:p>
+          <a:p>
+            <a:pPr>
+              <a:lnSpc>
+                <a:spcPct val="150000"/>
+              </a:lnSpc>
+            </a:pPr>
+            <a:endParaRPr kumimoji="1" lang="en-US" altLang="ja-JP" sz="4800" dirty="0">
               <a:latin typeface="メイリオ" panose="020B0604030504040204" pitchFamily="50" charset="-128"/>
               <a:ea typeface="メイリオ" panose="020B0604030504040204" pitchFamily="50" charset="-128"/>
             </a:endParaRPr>
           </a:p>
-          <a:p>
-            <a:pPr marL="0" indent="0" algn="ctr">
+        </p:txBody>
+      </p:sp>
+      <p:sp>
+        <p:nvSpPr>
+          <p:cNvPr id="3" name="テキスト ボックス 2">
+            <a:extLst>
+              <a:ext uri="{FF2B5EF4-FFF2-40B4-BE49-F238E27FC236}">
+                <a16:creationId xmlns:a16="http://schemas.microsoft.com/office/drawing/2014/main" id="{47C4D8FB-CF32-741B-0E73-18EF38EC6247}"/>
+              </a:ext>
+            </a:extLst>
+          </p:cNvPr>
+          <p:cNvSpPr txBox="1"/>
+          <p:nvPr/>
+        </p:nvSpPr>
+        <p:spPr>
+          <a:xfrm>
+            <a:off x="297188" y="2829974"/>
+            <a:ext cx="11141438" cy="1938992"/>
+          </a:xfrm>
+          <a:prstGeom prst="rect">
+            <a:avLst/>
+          </a:prstGeom>
+          <a:noFill/>
+        </p:spPr>
+        <p:txBody>
+          <a:bodyPr wrap="square" rtlCol="0">
+            <a:spAutoFit/>
+          </a:bodyPr>
+          <a:lstStyle/>
+          <a:p>
+            <a:r>
+              <a:rPr lang="ja-JP" altLang="en-US" sz="4000" b="0" i="0" dirty="0">
+                <a:solidFill>
+                  <a:srgbClr val="1D1C1D"/>
+                </a:solidFill>
+                <a:effectLst/>
+                <a:latin typeface="NotoSansJP"/>
+              </a:rPr>
+              <a:t>・飲み会が終わった後の経費申請書の作成ができる。</a:t>
+            </a:r>
+            <a:endParaRPr lang="en-US" altLang="ja-JP" sz="4000" b="0" i="0" dirty="0">
+              <a:solidFill>
+                <a:srgbClr val="1D1C1D"/>
+              </a:solidFill>
+              <a:effectLst/>
+              <a:latin typeface="NotoSansJP"/>
+            </a:endParaRPr>
+          </a:p>
+          <a:p>
+            <a:r>
+              <a:rPr kumimoji="1" lang="ja-JP" altLang="en-US" sz="4000" dirty="0">
+                <a:solidFill>
+                  <a:srgbClr val="1D1C1D"/>
+                </a:solidFill>
+                <a:latin typeface="NotoSansJP"/>
+              </a:rPr>
+              <a:t>・</a:t>
+            </a:r>
+            <a:r>
+              <a:rPr lang="ja-JP" altLang="en-US" sz="3600" b="0" i="0" dirty="0">
+                <a:solidFill>
+                  <a:srgbClr val="1D1C1D"/>
+                </a:solidFill>
+                <a:effectLst/>
+                <a:latin typeface="NotoSansJP"/>
+              </a:rPr>
+              <a:t>飲み会の開催が決まった際の通知文を作成できる。</a:t>
+            </a:r>
+            <a:endParaRPr kumimoji="1" lang="ja-JP" altLang="en-US" sz="3600" dirty="0"/>
+          </a:p>
+        </p:txBody>
+      </p:sp>
+    </p:spTree>
+    <p:extLst>
+      <p:ext uri="{BB962C8B-B14F-4D97-AF65-F5344CB8AC3E}">
+        <p14:creationId xmlns:p14="http://schemas.microsoft.com/office/powerpoint/2010/main" val="419169306"/>
+      </p:ext>
+    </p:extLst>
+  </p:cSld>
+  <p:clrMapOvr>
+    <a:masterClrMapping/>
+  </p:clrMapOvr>
+</p:sld>
+</file>
+
+<file path=ppt/slides/slide9.xml><?xml version="1.0" encoding="utf-8"?>
+<p:sld xmlns:a="http://schemas.openxmlformats.org/drawingml/2006/main" xmlns:r="http://schemas.openxmlformats.org/officeDocument/2006/relationships" xmlns:p="http://schemas.openxmlformats.org/presentationml/2006/main">
+  <p:cSld>
+    <p:spTree>
+      <p:nvGrpSpPr>
+        <p:cNvPr id="1" name=""/>
+        <p:cNvGrpSpPr/>
+        <p:nvPr/>
+      </p:nvGrpSpPr>
+      <p:grpSpPr>
+        <a:xfrm>
+          <a:off x="0" y="0"/>
+          <a:ext cx="0" cy="0"/>
+          <a:chOff x="0" y="0"/>
+          <a:chExt cx="0" cy="0"/>
+        </a:xfrm>
+      </p:grpSpPr>
+      <p:sp>
+        <p:nvSpPr>
+          <p:cNvPr id="7" name="正方形/長方形 6">
+            <a:extLst>
+              <a:ext uri="{FF2B5EF4-FFF2-40B4-BE49-F238E27FC236}">
+                <a16:creationId xmlns:a16="http://schemas.microsoft.com/office/drawing/2014/main" id="{47359CFA-E860-4531-A4C4-66F1B78D3A26}"/>
+              </a:ext>
+            </a:extLst>
+          </p:cNvPr>
+          <p:cNvSpPr/>
+          <p:nvPr/>
+        </p:nvSpPr>
+        <p:spPr>
+          <a:xfrm>
+            <a:off x="0" y="0"/>
+            <a:ext cx="12192000" cy="1420238"/>
+          </a:xfrm>
+          <a:prstGeom prst="rect">
+            <a:avLst/>
+          </a:prstGeom>
+          <a:solidFill>
+            <a:srgbClr val="DF4A23"/>
+          </a:solidFill>
+          <a:ln>
+            <a:noFill/>
+          </a:ln>
+        </p:spPr>
+        <p:style>
+          <a:lnRef idx="2">
+            <a:schemeClr val="accent1">
+              <a:shade val="50000"/>
+            </a:schemeClr>
+          </a:lnRef>
+          <a:fillRef idx="1">
+            <a:schemeClr val="accent1"/>
+          </a:fillRef>
+          <a:effectRef idx="0">
+            <a:schemeClr val="accent1"/>
+          </a:effectRef>
+          <a:fontRef idx="minor">
+            <a:schemeClr val="lt1"/>
+          </a:fontRef>
+        </p:style>
+        <p:txBody>
+          <a:bodyPr rtlCol="0" anchor="ctr"/>
+          <a:lstStyle/>
+          <a:p>
+            <a:pPr algn="ctr"/>
+            <a:r>
+              <a:rPr kumimoji="1" lang="ja-JP" altLang="en-US" sz="4000" dirty="0">
+                <a:latin typeface="メイリオ" panose="020B0604030504040204" pitchFamily="50" charset="-128"/>
+                <a:ea typeface="メイリオ" panose="020B0604030504040204" pitchFamily="50" charset="-128"/>
+              </a:rPr>
+              <a:t>機能紹介</a:t>
+            </a:r>
+          </a:p>
+        </p:txBody>
+      </p:sp>
+      <p:sp>
+        <p:nvSpPr>
+          <p:cNvPr id="2" name="テキスト ボックス 1">
+            <a:extLst>
+              <a:ext uri="{FF2B5EF4-FFF2-40B4-BE49-F238E27FC236}">
+                <a16:creationId xmlns:a16="http://schemas.microsoft.com/office/drawing/2014/main" id="{6FDB7845-30C1-4B2A-BF71-AEE476A1F50B}"/>
+              </a:ext>
+            </a:extLst>
+          </p:cNvPr>
+          <p:cNvSpPr txBox="1"/>
+          <p:nvPr/>
+        </p:nvSpPr>
+        <p:spPr>
+          <a:xfrm>
+            <a:off x="191418" y="1571108"/>
+            <a:ext cx="3877985" cy="2215991"/>
+          </a:xfrm>
+          <a:prstGeom prst="rect">
+            <a:avLst/>
+          </a:prstGeom>
+          <a:noFill/>
+        </p:spPr>
+        <p:txBody>
+          <a:bodyPr wrap="none" rtlCol="0">
+            <a:spAutoFit/>
+          </a:bodyPr>
+          <a:lstStyle/>
+          <a:p>
+            <a:pPr>
               <a:lnSpc>
                 <a:spcPct val="150000"/>
               </a:lnSpc>
-              <a:buNone/>
             </a:pPr>
             <a:r>
-              <a:rPr kumimoji="1" lang="ja-JP" altLang="en-US" sz="2800" dirty="0">
+              <a:rPr kumimoji="1" lang="ja-JP" altLang="en-US" sz="4800" dirty="0">
                 <a:latin typeface="メイリオ" panose="020B0604030504040204" pitchFamily="50" charset="-128"/>
                 <a:ea typeface="メイリオ" panose="020B0604030504040204" pitchFamily="50" charset="-128"/>
               </a:rPr>
-              <a:t>参加させてくださった会社の皆様</a:t>
-            </a:r>
-            <a:endParaRPr kumimoji="1" lang="en-US" altLang="ja-JP" sz="2800" dirty="0">
+              <a:t>４．</a:t>
+            </a:r>
+            <a:r>
+              <a:rPr lang="ja-JP" altLang="en-US" sz="4800" b="0" i="0" u="none" strike="noStrike" dirty="0">
+                <a:solidFill>
+                  <a:srgbClr val="000000"/>
+                </a:solidFill>
+                <a:effectLst/>
+                <a:latin typeface="Arial" panose="020B0604020202020204" pitchFamily="34" charset="0"/>
+              </a:rPr>
+              <a:t>検索機能</a:t>
+            </a:r>
+            <a:endParaRPr lang="ja-JP" altLang="en-US" sz="12300" b="0" dirty="0">
+              <a:effectLst/>
+            </a:endParaRPr>
+          </a:p>
+          <a:p>
+            <a:pPr>
+              <a:lnSpc>
+                <a:spcPct val="150000"/>
+              </a:lnSpc>
+            </a:pPr>
+            <a:endParaRPr kumimoji="1" lang="en-US" altLang="ja-JP" sz="4800" dirty="0">
               <a:latin typeface="メイリオ" panose="020B0604030504040204" pitchFamily="50" charset="-128"/>
               <a:ea typeface="メイリオ" panose="020B0604030504040204" pitchFamily="50" charset="-128"/>
             </a:endParaRPr>
           </a:p>
-          <a:p>
-            <a:pPr marL="0" indent="0" algn="ctr">
-              <a:lnSpc>
-                <a:spcPct val="150000"/>
-              </a:lnSpc>
-              <a:buNone/>
-            </a:pPr>
-            <a:r>
-              <a:rPr kumimoji="1" lang="ja-JP" altLang="en-US" sz="2800" dirty="0">
-                <a:latin typeface="メイリオ" panose="020B0604030504040204" pitchFamily="50" charset="-128"/>
-                <a:ea typeface="メイリオ" panose="020B0604030504040204" pitchFamily="50" charset="-128"/>
+        </p:txBody>
+      </p:sp>
+      <p:sp>
+        <p:nvSpPr>
+          <p:cNvPr id="3" name="テキスト ボックス 2">
+            <a:extLst>
+              <a:ext uri="{FF2B5EF4-FFF2-40B4-BE49-F238E27FC236}">
+                <a16:creationId xmlns:a16="http://schemas.microsoft.com/office/drawing/2014/main" id="{47C4D8FB-CF32-741B-0E73-18EF38EC6247}"/>
+              </a:ext>
+            </a:extLst>
+          </p:cNvPr>
+          <p:cNvSpPr txBox="1"/>
+          <p:nvPr/>
+        </p:nvSpPr>
+        <p:spPr>
+          <a:xfrm>
+            <a:off x="297188" y="2829974"/>
+            <a:ext cx="11141438" cy="1323439"/>
+          </a:xfrm>
+          <a:prstGeom prst="rect">
+            <a:avLst/>
+          </a:prstGeom>
+          <a:noFill/>
+        </p:spPr>
+        <p:txBody>
+          <a:bodyPr wrap="square" rtlCol="0">
+            <a:spAutoFit/>
+          </a:bodyPr>
+          <a:lstStyle/>
+          <a:p>
+            <a:r>
+              <a:rPr lang="ja-JP" altLang="en-US" sz="4000" b="0" i="0" dirty="0">
+                <a:solidFill>
+                  <a:srgbClr val="1D1C1D"/>
+                </a:solidFill>
+                <a:effectLst/>
+                <a:latin typeface="NotoSansJP"/>
               </a:rPr>
-              <a:t>に御礼申し上げます。</a:t>
-            </a:r>
-            <a:endParaRPr kumimoji="1" lang="en-US" altLang="ja-JP" sz="2800" dirty="0">
-              <a:latin typeface="メイリオ" panose="020B0604030504040204" pitchFamily="50" charset="-128"/>
-              <a:ea typeface="メイリオ" panose="020B0604030504040204" pitchFamily="50" charset="-128"/>
-            </a:endParaRPr>
+              <a:t>・名前の通り、飲み会などを行う店舗を探す機能</a:t>
+            </a:r>
+            <a:endParaRPr kumimoji="1" lang="ja-JP" altLang="en-US" sz="3600" dirty="0"/>
           </a:p>
         </p:txBody>
       </p:sp>
     </p:spTree>
     <p:extLst>
       <p:ext uri="{BB962C8B-B14F-4D97-AF65-F5344CB8AC3E}">
-        <p14:creationId xmlns:p14="http://schemas.microsoft.com/office/powerpoint/2010/main" val="4053538805"/>
+        <p14:creationId xmlns:p14="http://schemas.microsoft.com/office/powerpoint/2010/main" val="814337635"/>
       </p:ext>
     </p:extLst>
   </p:cSld>
